--- a/Gauss.MVC.Projeto01/MVC.pptx
+++ b/Gauss.MVC.Projeto01/MVC.pptx
@@ -5,10 +5,10 @@
     <p:sldMasterId id="2147483660" r:id="rId4"/>
   </p:sldMasterIdLst>
   <p:notesMasterIdLst>
-    <p:notesMasterId r:id="rId26"/>
+    <p:notesMasterId r:id="rId28"/>
   </p:notesMasterIdLst>
   <p:handoutMasterIdLst>
-    <p:handoutMasterId r:id="rId27"/>
+    <p:handoutMasterId r:id="rId29"/>
   </p:handoutMasterIdLst>
   <p:sldIdLst>
     <p:sldId id="278" r:id="rId5"/>
@@ -30,8 +30,10 @@
     <p:sldId id="294" r:id="rId21"/>
     <p:sldId id="296" r:id="rId22"/>
     <p:sldId id="295" r:id="rId23"/>
-    <p:sldId id="297" r:id="rId24"/>
-    <p:sldId id="298" r:id="rId25"/>
+    <p:sldId id="299" r:id="rId24"/>
+    <p:sldId id="297" r:id="rId25"/>
+    <p:sldId id="298" r:id="rId26"/>
+    <p:sldId id="300" r:id="rId27"/>
   </p:sldIdLst>
   <p:sldSz cx="9144000" cy="6858000" type="screen4x3"/>
   <p:notesSz cx="6858000" cy="9144000"/>
@@ -223,7 +225,7 @@
           <a:p>
             <a:fld id="{CAF05132-4288-4164-B1CA-F5AC1CC796A7}" type="datetime1">
               <a:rPr lang="pt-BR" smtClean="0"/>
-              <a:t>21/07/2023</a:t>
+              <a:t>25/07/2023</a:t>
             </a:fld>
             <a:endParaRPr lang="pt-BR" dirty="0"/>
           </a:p>
@@ -391,7 +393,7 @@
             <a:pPr rtl="0"/>
             <a:fld id="{437FA0DA-72A3-424F-8A35-066434C5B9F1}" type="datetime1">
               <a:rPr lang="pt-BR" noProof="0" smtClean="0"/>
-              <a:t>21/07/2023</a:t>
+              <a:t>25/07/2023</a:t>
             </a:fld>
             <a:endParaRPr lang="pt-BR" noProof="0" dirty="0"/>
           </a:p>
@@ -1090,7 +1092,7 @@
             <a:pPr rtl="0"/>
             <a:fld id="{F0354758-9FD6-46D3-BA08-042BE364EA46}" type="datetime1">
               <a:rPr lang="pt-BR" noProof="0" smtClean="0"/>
-              <a:t>21/07/2023</a:t>
+              <a:t>25/07/2023</a:t>
             </a:fld>
             <a:endParaRPr lang="pt-BR" noProof="0" dirty="0"/>
           </a:p>
@@ -1400,7 +1402,7 @@
             <a:pPr rtl="0"/>
             <a:fld id="{EC8ECD64-5AF2-4F32-AD18-136C465DC047}" type="datetime1">
               <a:rPr lang="pt-BR" noProof="0" smtClean="0"/>
-              <a:t>21/07/2023</a:t>
+              <a:t>25/07/2023</a:t>
             </a:fld>
             <a:endParaRPr lang="pt-BR" noProof="0" dirty="0"/>
           </a:p>
@@ -1598,7 +1600,7 @@
             <a:pPr rtl="0"/>
             <a:fld id="{83F6B3D0-4304-407F-B819-80FF4D568789}" type="datetime1">
               <a:rPr lang="pt-BR" noProof="0" smtClean="0"/>
-              <a:t>21/07/2023</a:t>
+              <a:t>25/07/2023</a:t>
             </a:fld>
             <a:endParaRPr lang="pt-BR" noProof="0" dirty="0"/>
           </a:p>
@@ -1865,7 +1867,7 @@
             <a:pPr rtl="0"/>
             <a:fld id="{16F363FB-ECEA-4A76-B765-85460030C156}" type="datetime1">
               <a:rPr lang="pt-BR" noProof="0" smtClean="0"/>
-              <a:t>21/07/2023</a:t>
+              <a:t>25/07/2023</a:t>
             </a:fld>
             <a:endParaRPr lang="pt-BR" noProof="0" dirty="0"/>
           </a:p>
@@ -2305,7 +2307,7 @@
             <a:pPr rtl="0"/>
             <a:fld id="{EF319CEA-9EF4-4A65-A004-44DCCF154232}" type="datetime1">
               <a:rPr lang="pt-BR" noProof="0" smtClean="0"/>
-              <a:t>21/07/2023</a:t>
+              <a:t>25/07/2023</a:t>
             </a:fld>
             <a:endParaRPr lang="pt-BR" noProof="0" dirty="0"/>
           </a:p>
@@ -2846,7 +2848,7 @@
             <a:pPr rtl="0"/>
             <a:fld id="{1591AA47-C612-4DA8-B151-4B748B7DAC4D}" type="datetime1">
               <a:rPr lang="pt-BR" noProof="0" smtClean="0"/>
-              <a:t>21/07/2023</a:t>
+              <a:t>25/07/2023</a:t>
             </a:fld>
             <a:endParaRPr lang="pt-BR" noProof="0" dirty="0"/>
           </a:p>
@@ -3735,7 +3737,7 @@
             <a:pPr rtl="0"/>
             <a:fld id="{DC27F2B2-02FF-4D65-8FE7-F6AE0D863843}" type="datetime1">
               <a:rPr lang="pt-BR" noProof="0" smtClean="0"/>
-              <a:t>21/07/2023</a:t>
+              <a:t>25/07/2023</a:t>
             </a:fld>
             <a:endParaRPr lang="pt-BR" noProof="0" dirty="0"/>
           </a:p>
@@ -3914,7 +3916,7 @@
             <a:pPr rtl="0"/>
             <a:fld id="{31A070AB-0B0E-4B2D-804F-566417906A61}" type="datetime1">
               <a:rPr lang="pt-BR" noProof="0" smtClean="0"/>
-              <a:t>21/07/2023</a:t>
+              <a:t>25/07/2023</a:t>
             </a:fld>
             <a:endParaRPr lang="pt-BR" noProof="0" dirty="0"/>
           </a:p>
@@ -4162,7 +4164,7 @@
             <a:pPr rtl="0"/>
             <a:fld id="{028BC9E8-30A4-4EE6-BB83-B04327D9020A}" type="datetime1">
               <a:rPr lang="pt-BR" noProof="0" smtClean="0"/>
-              <a:t>21/07/2023</a:t>
+              <a:t>25/07/2023</a:t>
             </a:fld>
             <a:endParaRPr lang="pt-BR" noProof="0" dirty="0"/>
           </a:p>
@@ -4407,7 +4409,7 @@
             <a:pPr rtl="0"/>
             <a:fld id="{6D2B272B-E9E3-4682-90D8-4B44853FAF6D}" type="datetime1">
               <a:rPr lang="pt-BR" noProof="0" smtClean="0"/>
-              <a:t>21/07/2023</a:t>
+              <a:t>25/07/2023</a:t>
             </a:fld>
             <a:endParaRPr lang="pt-BR" noProof="0" dirty="0"/>
           </a:p>
@@ -4894,7 +4896,7 @@
             <a:pPr rtl="0"/>
             <a:fld id="{0655272F-B51B-4957-97B0-074D18FB99AD}" type="datetime1">
               <a:rPr lang="pt-BR" noProof="0" smtClean="0"/>
-              <a:t>21/07/2023</a:t>
+              <a:t>25/07/2023</a:t>
             </a:fld>
             <a:endParaRPr lang="pt-BR" noProof="0" dirty="0"/>
           </a:p>
@@ -5021,7 +5023,7 @@
             <a:pPr rtl="0"/>
             <a:fld id="{C1056502-BDB4-46EE-9217-C5A23E5BE0CE}" type="datetime1">
               <a:rPr lang="pt-BR" noProof="0" smtClean="0"/>
-              <a:t>21/07/2023</a:t>
+              <a:t>25/07/2023</a:t>
             </a:fld>
             <a:endParaRPr lang="pt-BR" noProof="0" dirty="0"/>
           </a:p>
@@ -5119,7 +5121,7 @@
             <a:pPr rtl="0"/>
             <a:fld id="{05E6A84A-F340-402E-97D3-C59F51FBE66F}" type="datetime1">
               <a:rPr lang="pt-BR" noProof="0" smtClean="0"/>
-              <a:t>21/07/2023</a:t>
+              <a:t>25/07/2023</a:t>
             </a:fld>
             <a:endParaRPr lang="pt-BR" noProof="0" dirty="0"/>
           </a:p>
@@ -5378,7 +5380,7 @@
             <a:pPr rtl="0"/>
             <a:fld id="{50C5BF86-AA12-49E0-AC44-8E2B1E4B1B72}" type="datetime1">
               <a:rPr lang="pt-BR" noProof="0" smtClean="0"/>
-              <a:t>21/07/2023</a:t>
+              <a:t>25/07/2023</a:t>
             </a:fld>
             <a:endParaRPr lang="pt-BR" noProof="0" dirty="0"/>
           </a:p>
@@ -5690,7 +5692,7 @@
             <a:pPr rtl="0"/>
             <a:fld id="{685EFD07-A8B9-401F-868B-7649A9F826C1}" type="datetime1">
               <a:rPr lang="pt-BR" noProof="0" smtClean="0"/>
-              <a:t>21/07/2023</a:t>
+              <a:t>25/07/2023</a:t>
             </a:fld>
             <a:endParaRPr lang="pt-BR" noProof="0" dirty="0"/>
           </a:p>
@@ -5926,7 +5928,7 @@
             <a:pPr rtl="0"/>
             <a:fld id="{76D0790B-18CF-4284-B479-4F95A66DEDDE}" type="datetime1">
               <a:rPr lang="pt-BR" noProof="0" smtClean="0"/>
-              <a:t>21/07/2023</a:t>
+              <a:t>25/07/2023</a:t>
             </a:fld>
             <a:endParaRPr lang="pt-BR" noProof="0" dirty="0"/>
           </a:p>
@@ -6846,7 +6848,7 @@
           </a:effectLst>
           <a:extLst>
             <a:ext uri="{91240B29-F687-4f45-9708-019B960494DF}">
-              <a14:hiddenLine xmlns="" xmlns:a14="http://schemas.microsoft.com/office/drawing/2010/main" xmlns:a16="http://schemas.microsoft.com/office/drawing/2014/main" xmlns:p14="http://schemas.microsoft.com/office/powerpoint/2010/main" w="9525">
+              <a14:hiddenLine xmlns:p14="http://schemas.microsoft.com/office/powerpoint/2010/main" xmlns:a16="http://schemas.microsoft.com/office/drawing/2014/main" xmlns:a14="http://schemas.microsoft.com/office/drawing/2010/main" xmlns="" w="9525">
                 <a:solidFill>
                   <a:srgbClr val="000000"/>
                 </a:solidFill>
@@ -8302,6 +8304,172 @@
           <p:cNvPr id="2" name="Título 1">
             <a:extLst>
               <a:ext uri="{FF2B5EF4-FFF2-40B4-BE49-F238E27FC236}">
+                <a16:creationId xmlns:a16="http://schemas.microsoft.com/office/drawing/2014/main" id="{DC4071C9-D215-E62C-BEA6-610CFE2348EC}"/>
+              </a:ext>
+            </a:extLst>
+          </p:cNvPr>
+          <p:cNvSpPr>
+            <a:spLocks noGrp="1"/>
+          </p:cNvSpPr>
+          <p:nvPr>
+            <p:ph type="title"/>
+          </p:nvPr>
+        </p:nvSpPr>
+        <p:spPr/>
+        <p:txBody>
+          <a:bodyPr/>
+          <a:lstStyle/>
+          <a:p>
+            <a:r>
+              <a:rPr lang="pt-BR" dirty="0"/>
+              <a:t>Dia 02</a:t>
+            </a:r>
+          </a:p>
+        </p:txBody>
+      </p:sp>
+      <p:sp>
+        <p:nvSpPr>
+          <p:cNvPr id="3" name="CaixaDeTexto 2">
+            <a:extLst>
+              <a:ext uri="{FF2B5EF4-FFF2-40B4-BE49-F238E27FC236}">
+                <a16:creationId xmlns:a16="http://schemas.microsoft.com/office/drawing/2014/main" id="{949077C4-64C8-ACCA-F74A-CF2541608AC0}"/>
+              </a:ext>
+            </a:extLst>
+          </p:cNvPr>
+          <p:cNvSpPr txBox="1"/>
+          <p:nvPr/>
+        </p:nvSpPr>
+        <p:spPr>
+          <a:xfrm>
+            <a:off x="412376" y="1425388"/>
+            <a:ext cx="8042285" cy="2308324"/>
+          </a:xfrm>
+          <a:prstGeom prst="rect">
+            <a:avLst/>
+          </a:prstGeom>
+          <a:noFill/>
+        </p:spPr>
+        <p:txBody>
+          <a:bodyPr wrap="square" rtlCol="0">
+            <a:spAutoFit/>
+          </a:bodyPr>
+          <a:lstStyle/>
+          <a:p>
+            <a:r>
+              <a:rPr lang="pt-BR" dirty="0"/>
+              <a:t>Objetivos:</a:t>
+            </a:r>
+          </a:p>
+          <a:p>
+            <a:endParaRPr lang="pt-BR" dirty="0"/>
+          </a:p>
+          <a:p>
+            <a:pPr marL="285750" indent="-285750">
+              <a:buFont typeface="Arial" panose="020B0604020202020204" pitchFamily="34" charset="0"/>
+              <a:buChar char="•"/>
+            </a:pPr>
+            <a:r>
+              <a:rPr lang="pt-BR" dirty="0"/>
+              <a:t>Fazer migration</a:t>
+            </a:r>
+          </a:p>
+          <a:p>
+            <a:pPr marL="285750" indent="-285750">
+              <a:buFont typeface="Arial" panose="020B0604020202020204" pitchFamily="34" charset="0"/>
+              <a:buChar char="•"/>
+            </a:pPr>
+            <a:r>
+              <a:rPr lang="pt-BR" dirty="0"/>
+              <a:t>Fazer um </a:t>
+            </a:r>
+            <a:r>
+              <a:rPr lang="pt-BR" dirty="0" err="1"/>
+              <a:t>insert</a:t>
+            </a:r>
+            <a:r>
+              <a:rPr lang="pt-BR" dirty="0"/>
+              <a:t> Bulk</a:t>
+            </a:r>
+          </a:p>
+          <a:p>
+            <a:pPr marL="285750" indent="-285750">
+              <a:buFont typeface="Arial" panose="020B0604020202020204" pitchFamily="34" charset="0"/>
+              <a:buChar char="•"/>
+            </a:pPr>
+            <a:r>
+              <a:rPr lang="pt-BR" dirty="0"/>
+              <a:t>Fazer um CRUD – </a:t>
+            </a:r>
+            <a:r>
+              <a:rPr lang="pt-BR" dirty="0" err="1"/>
+              <a:t>scanfold</a:t>
+            </a:r>
+            <a:endParaRPr lang="pt-BR" dirty="0"/>
+          </a:p>
+          <a:p>
+            <a:pPr marL="285750" indent="-285750">
+              <a:buFont typeface="Arial" panose="020B0604020202020204" pitchFamily="34" charset="0"/>
+              <a:buChar char="•"/>
+            </a:pPr>
+            <a:r>
+              <a:rPr lang="pt-BR" dirty="0"/>
+              <a:t>Modificar o HTML menu</a:t>
+            </a:r>
+          </a:p>
+          <a:p>
+            <a:pPr marL="285750" indent="-285750">
+              <a:buFont typeface="Arial" panose="020B0604020202020204" pitchFamily="34" charset="0"/>
+              <a:buChar char="•"/>
+            </a:pPr>
+            <a:r>
+              <a:rPr lang="pt-BR" dirty="0"/>
+              <a:t>Entender o CRUD</a:t>
+            </a:r>
+          </a:p>
+          <a:p>
+            <a:pPr marL="285750" indent="-285750">
+              <a:buFont typeface="Arial" panose="020B0604020202020204" pitchFamily="34" charset="0"/>
+              <a:buChar char="•"/>
+            </a:pPr>
+            <a:endParaRPr lang="pt-BR" dirty="0"/>
+          </a:p>
+        </p:txBody>
+      </p:sp>
+    </p:spTree>
+    <p:extLst>
+      <p:ext uri="{BB962C8B-B14F-4D97-AF65-F5344CB8AC3E}">
+        <p14:creationId xmlns:p14="http://schemas.microsoft.com/office/powerpoint/2010/main" val="197297"/>
+      </p:ext>
+    </p:extLst>
+  </p:cSld>
+  <p:clrMapOvr>
+    <a:masterClrMapping/>
+  </p:clrMapOvr>
+</p:sld>
+</file>
+
+<file path=ppt/slides/slide21.xml><?xml version="1.0" encoding="utf-8"?>
+<p:sld xmlns:a="http://schemas.openxmlformats.org/drawingml/2006/main" xmlns:r="http://schemas.openxmlformats.org/officeDocument/2006/relationships" xmlns:p="http://schemas.openxmlformats.org/presentationml/2006/main">
+  <p:cSld>
+    <p:spTree>
+      <p:nvGrpSpPr>
+        <p:cNvPr id="1" name=""/>
+        <p:cNvGrpSpPr/>
+        <p:nvPr/>
+      </p:nvGrpSpPr>
+      <p:grpSpPr>
+        <a:xfrm>
+          <a:off x="0" y="0"/>
+          <a:ext cx="0" cy="0"/>
+          <a:chOff x="0" y="0"/>
+          <a:chExt cx="0" cy="0"/>
+        </a:xfrm>
+      </p:grpSpPr>
+      <p:sp>
+        <p:nvSpPr>
+          <p:cNvPr id="2" name="Título 1">
+            <a:extLst>
+              <a:ext uri="{FF2B5EF4-FFF2-40B4-BE49-F238E27FC236}">
                 <a16:creationId xmlns:a16="http://schemas.microsoft.com/office/drawing/2014/main" id="{EBD3DF72-1191-50CC-B3E0-9BC9DE67E09B}"/>
               </a:ext>
             </a:extLst>
@@ -8509,7 +8677,7 @@
 </p:sld>
 </file>
 
-<file path=ppt/slides/slide21.xml><?xml version="1.0" encoding="utf-8"?>
+<file path=ppt/slides/slide22.xml><?xml version="1.0" encoding="utf-8"?>
 <p:sld xmlns:a="http://schemas.openxmlformats.org/drawingml/2006/main" xmlns:r="http://schemas.openxmlformats.org/officeDocument/2006/relationships" xmlns:p="http://schemas.openxmlformats.org/presentationml/2006/main">
   <p:cSld>
     <p:spTree>
@@ -8717,6 +8885,243 @@
     <p:extLst>
       <p:ext uri="{BB962C8B-B14F-4D97-AF65-F5344CB8AC3E}">
         <p14:creationId xmlns:p14="http://schemas.microsoft.com/office/powerpoint/2010/main" val="803574941"/>
+      </p:ext>
+    </p:extLst>
+  </p:cSld>
+  <p:clrMapOvr>
+    <a:masterClrMapping/>
+  </p:clrMapOvr>
+</p:sld>
+</file>
+
+<file path=ppt/slides/slide23.xml><?xml version="1.0" encoding="utf-8"?>
+<p:sld xmlns:a="http://schemas.openxmlformats.org/drawingml/2006/main" xmlns:r="http://schemas.openxmlformats.org/officeDocument/2006/relationships" xmlns:p="http://schemas.openxmlformats.org/presentationml/2006/main">
+  <p:cSld>
+    <p:spTree>
+      <p:nvGrpSpPr>
+        <p:cNvPr id="1" name=""/>
+        <p:cNvGrpSpPr/>
+        <p:nvPr/>
+      </p:nvGrpSpPr>
+      <p:grpSpPr>
+        <a:xfrm>
+          <a:off x="0" y="0"/>
+          <a:ext cx="0" cy="0"/>
+          <a:chOff x="0" y="0"/>
+          <a:chExt cx="0" cy="0"/>
+        </a:xfrm>
+      </p:grpSpPr>
+      <p:sp>
+        <p:nvSpPr>
+          <p:cNvPr id="2" name="Título 1">
+            <a:extLst>
+              <a:ext uri="{FF2B5EF4-FFF2-40B4-BE49-F238E27FC236}">
+                <a16:creationId xmlns:a16="http://schemas.microsoft.com/office/drawing/2014/main" id="{B1839FD6-A31D-FB95-E1A5-433311CA7576}"/>
+              </a:ext>
+            </a:extLst>
+          </p:cNvPr>
+          <p:cNvSpPr>
+            <a:spLocks noGrp="1"/>
+          </p:cNvSpPr>
+          <p:nvPr>
+            <p:ph type="title"/>
+          </p:nvPr>
+        </p:nvSpPr>
+        <p:spPr/>
+        <p:txBody>
+          <a:bodyPr/>
+          <a:lstStyle/>
+          <a:p>
+            <a:r>
+              <a:rPr lang="pt-BR" dirty="0"/>
+              <a:t>BUGS</a:t>
+            </a:r>
+          </a:p>
+        </p:txBody>
+      </p:sp>
+      <p:sp>
+        <p:nvSpPr>
+          <p:cNvPr id="3" name="CaixaDeTexto 2">
+            <a:extLst>
+              <a:ext uri="{FF2B5EF4-FFF2-40B4-BE49-F238E27FC236}">
+                <a16:creationId xmlns:a16="http://schemas.microsoft.com/office/drawing/2014/main" id="{3F63A6B4-1612-8897-D93E-358D2AA66BCF}"/>
+              </a:ext>
+            </a:extLst>
+          </p:cNvPr>
+          <p:cNvSpPr txBox="1"/>
+          <p:nvPr/>
+        </p:nvSpPr>
+        <p:spPr>
+          <a:xfrm>
+            <a:off x="537882" y="1183341"/>
+            <a:ext cx="8068236" cy="4801314"/>
+          </a:xfrm>
+          <a:prstGeom prst="rect">
+            <a:avLst/>
+          </a:prstGeom>
+          <a:noFill/>
+        </p:spPr>
+        <p:txBody>
+          <a:bodyPr wrap="square" rtlCol="0">
+            <a:spAutoFit/>
+          </a:bodyPr>
+          <a:lstStyle/>
+          <a:p>
+            <a:r>
+              <a:rPr lang="pt-BR" dirty="0"/>
+              <a:t>Se tiver tendo erros, verifique sempre nome dos arquivos se é maiúsculo ou minúsculo, </a:t>
+            </a:r>
+            <a:r>
+              <a:rPr lang="pt-BR" dirty="0" err="1"/>
+              <a:t>ex</a:t>
+            </a:r>
+            <a:r>
+              <a:rPr lang="pt-BR" dirty="0"/>
+              <a:t>: classe </a:t>
+            </a:r>
+            <a:r>
+              <a:rPr lang="pt-BR" dirty="0" err="1"/>
+              <a:t>Livro.cs</a:t>
+            </a:r>
+            <a:r>
+              <a:rPr lang="pt-BR" dirty="0"/>
+              <a:t> e você tentando criar o objeto como new livro (minúsculo).</a:t>
+            </a:r>
+          </a:p>
+          <a:p>
+            <a:endParaRPr lang="pt-BR" dirty="0">
+              <a:latin typeface="Cascadia Mono" panose="020B0609020000020004" pitchFamily="49" charset="0"/>
+            </a:endParaRPr>
+          </a:p>
+          <a:p>
+            <a:r>
+              <a:rPr lang="pt-BR" dirty="0">
+                <a:latin typeface="Cascadia Mono" panose="020B0609020000020004" pitchFamily="49" charset="0"/>
+              </a:rPr>
+              <a:t>------------------</a:t>
+            </a:r>
+          </a:p>
+          <a:p>
+            <a:endParaRPr lang="pt-BR" dirty="0"/>
+          </a:p>
+          <a:p>
+            <a:r>
+              <a:rPr lang="pt-BR" dirty="0"/>
+              <a:t>Na </a:t>
+            </a:r>
+            <a:r>
+              <a:rPr lang="pt-BR" dirty="0" err="1"/>
+              <a:t>Index.cshtml</a:t>
+            </a:r>
+            <a:r>
+              <a:rPr lang="pt-BR" dirty="0"/>
+              <a:t> veja se colocou o caminho correto da @model</a:t>
+            </a:r>
+          </a:p>
+          <a:p>
+            <a:r>
+              <a:rPr lang="pt-BR" dirty="0"/>
+              <a:t>Ficará algo como:</a:t>
+            </a:r>
+          </a:p>
+          <a:p>
+            <a:endParaRPr lang="pt-BR" dirty="0"/>
+          </a:p>
+          <a:p>
+            <a:r>
+              <a:rPr lang="pt-BR" sz="1800" dirty="0">
+                <a:latin typeface="Cascadia Mono" panose="020B0609020000020004" pitchFamily="49" charset="0"/>
+              </a:rPr>
+              <a:t>@model </a:t>
+            </a:r>
+            <a:r>
+              <a:rPr lang="pt-BR" sz="1800" dirty="0" err="1">
+                <a:latin typeface="Cascadia Mono" panose="020B0609020000020004" pitchFamily="49" charset="0"/>
+              </a:rPr>
+              <a:t>IEnumerable</a:t>
+            </a:r>
+            <a:r>
+              <a:rPr lang="pt-BR" sz="1800" dirty="0">
+                <a:latin typeface="Cascadia Mono" panose="020B0609020000020004" pitchFamily="49" charset="0"/>
+              </a:rPr>
+              <a:t>&lt;Gauss.MVC.Projeto01.Models.Livro&gt;</a:t>
+            </a:r>
+          </a:p>
+          <a:p>
+            <a:endParaRPr lang="pt-BR" dirty="0">
+              <a:latin typeface="Cascadia Mono" panose="020B0609020000020004" pitchFamily="49" charset="0"/>
+            </a:endParaRPr>
+          </a:p>
+          <a:p>
+            <a:r>
+              <a:rPr lang="pt-BR" dirty="0" err="1">
+                <a:latin typeface="Cascadia Mono" panose="020B0609020000020004" pitchFamily="49" charset="0"/>
+              </a:rPr>
+              <a:t>Obs</a:t>
+            </a:r>
+            <a:r>
+              <a:rPr lang="pt-BR" dirty="0">
+                <a:latin typeface="Cascadia Mono" panose="020B0609020000020004" pitchFamily="49" charset="0"/>
+              </a:rPr>
+              <a:t>: o caminho correto é de acordo com seu projeto!</a:t>
+            </a:r>
+          </a:p>
+          <a:p>
+            <a:endParaRPr lang="pt-BR" dirty="0">
+              <a:latin typeface="Cascadia Mono" panose="020B0609020000020004" pitchFamily="49" charset="0"/>
+            </a:endParaRPr>
+          </a:p>
+          <a:p>
+            <a:endParaRPr lang="pt-BR" dirty="0">
+              <a:latin typeface="Cascadia Mono" panose="020B0609020000020004" pitchFamily="49" charset="0"/>
+            </a:endParaRPr>
+          </a:p>
+          <a:p>
+            <a:r>
+              <a:rPr lang="pt-BR" dirty="0">
+                <a:latin typeface="Cascadia Mono" panose="020B0609020000020004" pitchFamily="49" charset="0"/>
+              </a:rPr>
+              <a:t>------------------</a:t>
+            </a:r>
+          </a:p>
+          <a:p>
+            <a:r>
+              <a:rPr lang="pt-BR" dirty="0">
+                <a:latin typeface="Cascadia Mono" panose="020B0609020000020004" pitchFamily="49" charset="0"/>
+              </a:rPr>
+              <a:t>Se der erro no </a:t>
+            </a:r>
+            <a:r>
+              <a:rPr lang="pt-BR" dirty="0" err="1">
+                <a:latin typeface="Cascadia Mono" panose="020B0609020000020004" pitchFamily="49" charset="0"/>
+              </a:rPr>
+              <a:t>dotnet</a:t>
+            </a:r>
+            <a:r>
+              <a:rPr lang="pt-BR" dirty="0">
+                <a:latin typeface="Cascadia Mono" panose="020B0609020000020004" pitchFamily="49" charset="0"/>
+              </a:rPr>
+              <a:t> migration verifique o arquivo comandos.</a:t>
+            </a:r>
+            <a:r>
+              <a:rPr lang="pt-BR">
+                <a:latin typeface="Cascadia Mono" panose="020B0609020000020004" pitchFamily="49" charset="0"/>
+              </a:rPr>
+              <a:t>md dentro do projeto</a:t>
+            </a:r>
+            <a:endParaRPr lang="pt-BR" dirty="0">
+              <a:latin typeface="Cascadia Mono" panose="020B0609020000020004" pitchFamily="49" charset="0"/>
+            </a:endParaRPr>
+          </a:p>
+          <a:p>
+            <a:endParaRPr lang="pt-BR" dirty="0"/>
+          </a:p>
+        </p:txBody>
+      </p:sp>
+    </p:spTree>
+    <p:extLst>
+      <p:ext uri="{BB962C8B-B14F-4D97-AF65-F5344CB8AC3E}">
+        <p14:creationId xmlns:p14="http://schemas.microsoft.com/office/powerpoint/2010/main" val="1698609135"/>
       </p:ext>
     </p:extLst>
   </p:cSld>
@@ -9839,95 +10244,6 @@
             <a:normAutofit/>
           </a:bodyPr>
           <a:lstStyle/>
-          <a:p>
-            <a:pPr marL="36900" indent="0">
-              <a:buNone/>
-            </a:pPr>
-            <a:r>
-              <a:rPr lang="pt-BR" sz="2400" dirty="0" err="1"/>
-              <a:t>Dolor</a:t>
-            </a:r>
-            <a:r>
-              <a:rPr lang="pt-BR" sz="2400" dirty="0"/>
-              <a:t> </a:t>
-            </a:r>
-            <a:r>
-              <a:rPr lang="pt-BR" sz="2400" dirty="0" err="1"/>
-              <a:t>Sit</a:t>
-            </a:r>
-            <a:r>
-              <a:rPr lang="pt-BR" sz="2400" dirty="0"/>
-              <a:t> </a:t>
-            </a:r>
-            <a:r>
-              <a:rPr lang="pt-BR" sz="2400" dirty="0" err="1"/>
-              <a:t>Amet</a:t>
-            </a:r>
-            <a:endParaRPr lang="pt-BR" sz="2400" dirty="0"/>
-          </a:p>
-          <a:p>
-            <a:pPr marL="36900" indent="0">
-              <a:buNone/>
-            </a:pPr>
-            <a:r>
-              <a:rPr lang="pt-BR" sz="2400" dirty="0" err="1"/>
-              <a:t>Consectetuer</a:t>
-            </a:r>
-            <a:r>
-              <a:rPr lang="pt-BR" sz="2400" dirty="0"/>
-              <a:t> </a:t>
-            </a:r>
-            <a:r>
-              <a:rPr lang="pt-BR" sz="2400" dirty="0" err="1"/>
-              <a:t>Elit</a:t>
-            </a:r>
-            <a:endParaRPr lang="pt-BR" sz="2400" dirty="0"/>
-          </a:p>
-          <a:p>
-            <a:pPr marL="36900" indent="0">
-              <a:buNone/>
-            </a:pPr>
-            <a:r>
-              <a:rPr lang="pt-BR" sz="2400" dirty="0"/>
-              <a:t>Nunc </a:t>
-            </a:r>
-            <a:r>
-              <a:rPr lang="pt-BR" sz="2400" dirty="0" err="1"/>
-              <a:t>Viverra</a:t>
-            </a:r>
-            <a:endParaRPr lang="pt-BR" sz="2400" dirty="0"/>
-          </a:p>
-          <a:p>
-            <a:pPr marL="36900" indent="0">
-              <a:buNone/>
-            </a:pPr>
-            <a:r>
-              <a:rPr lang="pt-BR" sz="2400" dirty="0" err="1"/>
-              <a:t>Pellentesque</a:t>
-            </a:r>
-            <a:r>
-              <a:rPr lang="pt-BR" sz="2400" dirty="0"/>
-              <a:t> </a:t>
-            </a:r>
-            <a:r>
-              <a:rPr lang="pt-BR" sz="2400" dirty="0" err="1"/>
-              <a:t>Habitant</a:t>
-            </a:r>
-            <a:endParaRPr lang="pt-BR" sz="2400" dirty="0"/>
-          </a:p>
-          <a:p>
-            <a:pPr marL="36900" indent="0">
-              <a:buNone/>
-            </a:pPr>
-            <a:r>
-              <a:rPr lang="pt-BR" sz="2400" dirty="0" err="1"/>
-              <a:t>Lorem</a:t>
-            </a:r>
-            <a:r>
-              <a:rPr lang="pt-BR" sz="2400" dirty="0"/>
-              <a:t> Ipsum</a:t>
-            </a:r>
-          </a:p>
           <a:p>
             <a:pPr rtl="0"/>
             <a:endParaRPr lang="pt-BR" sz="2400" dirty="0"/>
@@ -11083,21 +11399,21 @@
 </file>
 
 <file path=customXml/item2.xml><?xml version="1.0" encoding="utf-8"?>
+<?mso-contentType ?>
+<FormTemplates xmlns="http://schemas.microsoft.com/sharepoint/v3/contenttype/forms">
+  <Display>DocumentLibraryForm</Display>
+  <Edit>DocumentLibraryForm</Edit>
+  <New>DocumentLibraryForm</New>
+</FormTemplates>
+</file>
+
+<file path=customXml/item3.xml><?xml version="1.0" encoding="utf-8"?>
 <p:properties xmlns:p="http://schemas.microsoft.com/office/2006/metadata/properties" xmlns:xsi="http://www.w3.org/2001/XMLSchema-instance" xmlns:pc="http://schemas.microsoft.com/office/infopath/2007/PartnerControls">
   <documentManagement>
     <Status xmlns="71af3243-3dd4-4a8d-8c0d-dd76da1f02a5">Not started</Status>
     <MediaServiceKeyPoints xmlns="71af3243-3dd4-4a8d-8c0d-dd76da1f02a5" xsi:nil="true"/>
   </documentManagement>
 </p:properties>
-</file>
-
-<file path=customXml/item3.xml><?xml version="1.0" encoding="utf-8"?>
-<?mso-contentType ?>
-<FormTemplates xmlns="http://schemas.microsoft.com/sharepoint/v3/contenttype/forms">
-  <Display>DocumentLibraryForm</Display>
-  <Edit>DocumentLibraryForm</Edit>
-  <New>DocumentLibraryForm</New>
-</FormTemplates>
 </file>
 
 <file path=customXml/itemProps1.xml><?xml version="1.0" encoding="utf-8"?>
@@ -11120,6 +11436,14 @@
 </file>
 
 <file path=customXml/itemProps2.xml><?xml version="1.0" encoding="utf-8"?>
+<ds:datastoreItem xmlns:ds="http://schemas.openxmlformats.org/officeDocument/2006/customXml" ds:itemID="{64B270AB-C138-415C-897E-3C24487DECF1}">
+  <ds:schemaRefs>
+    <ds:schemaRef ds:uri="http://schemas.microsoft.com/sharepoint/v3/contenttype/forms"/>
+  </ds:schemaRefs>
+</ds:datastoreItem>
+</file>
+
+<file path=customXml/itemProps3.xml><?xml version="1.0" encoding="utf-8"?>
 <ds:datastoreItem xmlns:ds="http://schemas.openxmlformats.org/officeDocument/2006/customXml" ds:itemID="{2C4C00F4-06E9-43E3-AD97-88A857CEFA82}">
   <ds:schemaRefs>
     <ds:schemaRef ds:uri="http://schemas.microsoft.com/office/2006/metadata/properties"/>
@@ -11127,12 +11451,4 @@
     <ds:schemaRef ds:uri="71af3243-3dd4-4a8d-8c0d-dd76da1f02a5"/>
   </ds:schemaRefs>
 </ds:datastoreItem>
-</file>
-
-<file path=customXml/itemProps3.xml><?xml version="1.0" encoding="utf-8"?>
-<ds:datastoreItem xmlns:ds="http://schemas.openxmlformats.org/officeDocument/2006/customXml" ds:itemID="{64B270AB-C138-415C-897E-3C24487DECF1}">
-  <ds:schemaRefs>
-    <ds:schemaRef ds:uri="http://schemas.microsoft.com/sharepoint/v3/contenttype/forms"/>
-  </ds:schemaRefs>
-</ds:datastoreItem>
 </file>
--- a/Gauss.MVC.Projeto01/MVC.pptx
+++ b/Gauss.MVC.Projeto01/MVC.pptx
@@ -6848,7 +6848,7 @@
           </a:effectLst>
           <a:extLst>
             <a:ext uri="{91240B29-F687-4f45-9708-019B960494DF}">
-              <a14:hiddenLine xmlns:p14="http://schemas.microsoft.com/office/powerpoint/2010/main" xmlns:a16="http://schemas.microsoft.com/office/drawing/2014/main" xmlns:a14="http://schemas.microsoft.com/office/drawing/2010/main" xmlns="" w="9525">
+              <a14:hiddenLine xmlns="" xmlns:a14="http://schemas.microsoft.com/office/drawing/2010/main" xmlns:a16="http://schemas.microsoft.com/office/drawing/2014/main" xmlns:p14="http://schemas.microsoft.com/office/powerpoint/2010/main" w="9525">
                 <a:solidFill>
                   <a:srgbClr val="000000"/>
                 </a:solidFill>
@@ -8342,7 +8342,7 @@
         <p:spPr>
           <a:xfrm>
             <a:off x="412376" y="1425388"/>
-            <a:ext cx="8042285" cy="2308324"/>
+            <a:ext cx="8042285" cy="2585323"/>
           </a:xfrm>
           <a:prstGeom prst="rect">
             <a:avLst/>
@@ -8370,8 +8370,13 @@
             </a:pPr>
             <a:r>
               <a:rPr lang="pt-BR" dirty="0"/>
-              <a:t>Fazer migration</a:t>
-            </a:r>
+              <a:t>Fazer </a:t>
+            </a:r>
+            <a:r>
+              <a:rPr lang="pt-BR" dirty="0" err="1"/>
+              <a:t>MaxLenght</a:t>
+            </a:r>
+            <a:endParaRPr lang="pt-BR" dirty="0"/>
           </a:p>
           <a:p>
             <a:pPr marL="285750" indent="-285750">
@@ -8380,7 +8385,21 @@
             </a:pPr>
             <a:r>
               <a:rPr lang="pt-BR" dirty="0"/>
-              <a:t>Fazer um </a:t>
+              <a:t>Fazer migration</a:t>
+            </a:r>
+          </a:p>
+          <a:p>
+            <a:pPr marL="285750" indent="-285750">
+              <a:buFont typeface="Arial" panose="020B0604020202020204" pitchFamily="34" charset="0"/>
+              <a:buChar char="•"/>
+            </a:pPr>
+            <a:r>
+              <a:rPr lang="pt-BR"/>
+              <a:t>Fazer </a:t>
+            </a:r>
+            <a:r>
+              <a:rPr lang="pt-BR" dirty="0"/>
+              <a:t>um </a:t>
             </a:r>
             <a:r>
               <a:rPr lang="pt-BR" dirty="0" err="1"/>
@@ -11399,21 +11418,21 @@
 </file>
 
 <file path=customXml/item2.xml><?xml version="1.0" encoding="utf-8"?>
+<p:properties xmlns:p="http://schemas.microsoft.com/office/2006/metadata/properties" xmlns:xsi="http://www.w3.org/2001/XMLSchema-instance" xmlns:pc="http://schemas.microsoft.com/office/infopath/2007/PartnerControls">
+  <documentManagement>
+    <Status xmlns="71af3243-3dd4-4a8d-8c0d-dd76da1f02a5">Not started</Status>
+    <MediaServiceKeyPoints xmlns="71af3243-3dd4-4a8d-8c0d-dd76da1f02a5" xsi:nil="true"/>
+  </documentManagement>
+</p:properties>
+</file>
+
+<file path=customXml/item3.xml><?xml version="1.0" encoding="utf-8"?>
 <?mso-contentType ?>
 <FormTemplates xmlns="http://schemas.microsoft.com/sharepoint/v3/contenttype/forms">
   <Display>DocumentLibraryForm</Display>
   <Edit>DocumentLibraryForm</Edit>
   <New>DocumentLibraryForm</New>
 </FormTemplates>
-</file>
-
-<file path=customXml/item3.xml><?xml version="1.0" encoding="utf-8"?>
-<p:properties xmlns:p="http://schemas.microsoft.com/office/2006/metadata/properties" xmlns:xsi="http://www.w3.org/2001/XMLSchema-instance" xmlns:pc="http://schemas.microsoft.com/office/infopath/2007/PartnerControls">
-  <documentManagement>
-    <Status xmlns="71af3243-3dd4-4a8d-8c0d-dd76da1f02a5">Not started</Status>
-    <MediaServiceKeyPoints xmlns="71af3243-3dd4-4a8d-8c0d-dd76da1f02a5" xsi:nil="true"/>
-  </documentManagement>
-</p:properties>
 </file>
 
 <file path=customXml/itemProps1.xml><?xml version="1.0" encoding="utf-8"?>
@@ -11436,14 +11455,6 @@
 </file>
 
 <file path=customXml/itemProps2.xml><?xml version="1.0" encoding="utf-8"?>
-<ds:datastoreItem xmlns:ds="http://schemas.openxmlformats.org/officeDocument/2006/customXml" ds:itemID="{64B270AB-C138-415C-897E-3C24487DECF1}">
-  <ds:schemaRefs>
-    <ds:schemaRef ds:uri="http://schemas.microsoft.com/sharepoint/v3/contenttype/forms"/>
-  </ds:schemaRefs>
-</ds:datastoreItem>
-</file>
-
-<file path=customXml/itemProps3.xml><?xml version="1.0" encoding="utf-8"?>
 <ds:datastoreItem xmlns:ds="http://schemas.openxmlformats.org/officeDocument/2006/customXml" ds:itemID="{2C4C00F4-06E9-43E3-AD97-88A857CEFA82}">
   <ds:schemaRefs>
     <ds:schemaRef ds:uri="http://schemas.microsoft.com/office/2006/metadata/properties"/>
@@ -11451,4 +11462,12 @@
     <ds:schemaRef ds:uri="71af3243-3dd4-4a8d-8c0d-dd76da1f02a5"/>
   </ds:schemaRefs>
 </ds:datastoreItem>
+</file>
+
+<file path=customXml/itemProps3.xml><?xml version="1.0" encoding="utf-8"?>
+<ds:datastoreItem xmlns:ds="http://schemas.openxmlformats.org/officeDocument/2006/customXml" ds:itemID="{64B270AB-C138-415C-897E-3C24487DECF1}">
+  <ds:schemaRefs>
+    <ds:schemaRef ds:uri="http://schemas.microsoft.com/sharepoint/v3/contenttype/forms"/>
+  </ds:schemaRefs>
+</ds:datastoreItem>
 </file>
--- a/Gauss.MVC.Projeto01/MVC.pptx
+++ b/Gauss.MVC.Projeto01/MVC.pptx
@@ -5,10 +5,10 @@
     <p:sldMasterId id="2147483660" r:id="rId4"/>
   </p:sldMasterIdLst>
   <p:notesMasterIdLst>
-    <p:notesMasterId r:id="rId28"/>
+    <p:notesMasterId r:id="rId29"/>
   </p:notesMasterIdLst>
   <p:handoutMasterIdLst>
-    <p:handoutMasterId r:id="rId29"/>
+    <p:handoutMasterId r:id="rId30"/>
   </p:handoutMasterIdLst>
   <p:sldIdLst>
     <p:sldId id="278" r:id="rId5"/>
@@ -31,9 +31,10 @@
     <p:sldId id="296" r:id="rId22"/>
     <p:sldId id="295" r:id="rId23"/>
     <p:sldId id="299" r:id="rId24"/>
-    <p:sldId id="297" r:id="rId25"/>
-    <p:sldId id="298" r:id="rId26"/>
-    <p:sldId id="300" r:id="rId27"/>
+    <p:sldId id="301" r:id="rId25"/>
+    <p:sldId id="297" r:id="rId26"/>
+    <p:sldId id="298" r:id="rId27"/>
+    <p:sldId id="300" r:id="rId28"/>
   </p:sldIdLst>
   <p:sldSz cx="9144000" cy="6858000" type="screen4x3"/>
   <p:notesSz cx="6858000" cy="9144000"/>
@@ -225,7 +226,7 @@
           <a:p>
             <a:fld id="{CAF05132-4288-4164-B1CA-F5AC1CC796A7}" type="datetime1">
               <a:rPr lang="pt-BR" smtClean="0"/>
-              <a:t>25/07/2023</a:t>
+              <a:t>28/07/2023</a:t>
             </a:fld>
             <a:endParaRPr lang="pt-BR" dirty="0"/>
           </a:p>
@@ -393,7 +394,7 @@
             <a:pPr rtl="0"/>
             <a:fld id="{437FA0DA-72A3-424F-8A35-066434C5B9F1}" type="datetime1">
               <a:rPr lang="pt-BR" noProof="0" smtClean="0"/>
-              <a:t>25/07/2023</a:t>
+              <a:t>28/07/2023</a:t>
             </a:fld>
             <a:endParaRPr lang="pt-BR" noProof="0" dirty="0"/>
           </a:p>
@@ -1092,7 +1093,7 @@
             <a:pPr rtl="0"/>
             <a:fld id="{F0354758-9FD6-46D3-BA08-042BE364EA46}" type="datetime1">
               <a:rPr lang="pt-BR" noProof="0" smtClean="0"/>
-              <a:t>25/07/2023</a:t>
+              <a:t>28/07/2023</a:t>
             </a:fld>
             <a:endParaRPr lang="pt-BR" noProof="0" dirty="0"/>
           </a:p>
@@ -1402,7 +1403,7 @@
             <a:pPr rtl="0"/>
             <a:fld id="{EC8ECD64-5AF2-4F32-AD18-136C465DC047}" type="datetime1">
               <a:rPr lang="pt-BR" noProof="0" smtClean="0"/>
-              <a:t>25/07/2023</a:t>
+              <a:t>28/07/2023</a:t>
             </a:fld>
             <a:endParaRPr lang="pt-BR" noProof="0" dirty="0"/>
           </a:p>
@@ -1600,7 +1601,7 @@
             <a:pPr rtl="0"/>
             <a:fld id="{83F6B3D0-4304-407F-B819-80FF4D568789}" type="datetime1">
               <a:rPr lang="pt-BR" noProof="0" smtClean="0"/>
-              <a:t>25/07/2023</a:t>
+              <a:t>28/07/2023</a:t>
             </a:fld>
             <a:endParaRPr lang="pt-BR" noProof="0" dirty="0"/>
           </a:p>
@@ -1867,7 +1868,7 @@
             <a:pPr rtl="0"/>
             <a:fld id="{16F363FB-ECEA-4A76-B765-85460030C156}" type="datetime1">
               <a:rPr lang="pt-BR" noProof="0" smtClean="0"/>
-              <a:t>25/07/2023</a:t>
+              <a:t>28/07/2023</a:t>
             </a:fld>
             <a:endParaRPr lang="pt-BR" noProof="0" dirty="0"/>
           </a:p>
@@ -2307,7 +2308,7 @@
             <a:pPr rtl="0"/>
             <a:fld id="{EF319CEA-9EF4-4A65-A004-44DCCF154232}" type="datetime1">
               <a:rPr lang="pt-BR" noProof="0" smtClean="0"/>
-              <a:t>25/07/2023</a:t>
+              <a:t>28/07/2023</a:t>
             </a:fld>
             <a:endParaRPr lang="pt-BR" noProof="0" dirty="0"/>
           </a:p>
@@ -2848,7 +2849,7 @@
             <a:pPr rtl="0"/>
             <a:fld id="{1591AA47-C612-4DA8-B151-4B748B7DAC4D}" type="datetime1">
               <a:rPr lang="pt-BR" noProof="0" smtClean="0"/>
-              <a:t>25/07/2023</a:t>
+              <a:t>28/07/2023</a:t>
             </a:fld>
             <a:endParaRPr lang="pt-BR" noProof="0" dirty="0"/>
           </a:p>
@@ -3737,7 +3738,7 @@
             <a:pPr rtl="0"/>
             <a:fld id="{DC27F2B2-02FF-4D65-8FE7-F6AE0D863843}" type="datetime1">
               <a:rPr lang="pt-BR" noProof="0" smtClean="0"/>
-              <a:t>25/07/2023</a:t>
+              <a:t>28/07/2023</a:t>
             </a:fld>
             <a:endParaRPr lang="pt-BR" noProof="0" dirty="0"/>
           </a:p>
@@ -3916,7 +3917,7 @@
             <a:pPr rtl="0"/>
             <a:fld id="{31A070AB-0B0E-4B2D-804F-566417906A61}" type="datetime1">
               <a:rPr lang="pt-BR" noProof="0" smtClean="0"/>
-              <a:t>25/07/2023</a:t>
+              <a:t>28/07/2023</a:t>
             </a:fld>
             <a:endParaRPr lang="pt-BR" noProof="0" dirty="0"/>
           </a:p>
@@ -4164,7 +4165,7 @@
             <a:pPr rtl="0"/>
             <a:fld id="{028BC9E8-30A4-4EE6-BB83-B04327D9020A}" type="datetime1">
               <a:rPr lang="pt-BR" noProof="0" smtClean="0"/>
-              <a:t>25/07/2023</a:t>
+              <a:t>28/07/2023</a:t>
             </a:fld>
             <a:endParaRPr lang="pt-BR" noProof="0" dirty="0"/>
           </a:p>
@@ -4409,7 +4410,7 @@
             <a:pPr rtl="0"/>
             <a:fld id="{6D2B272B-E9E3-4682-90D8-4B44853FAF6D}" type="datetime1">
               <a:rPr lang="pt-BR" noProof="0" smtClean="0"/>
-              <a:t>25/07/2023</a:t>
+              <a:t>28/07/2023</a:t>
             </a:fld>
             <a:endParaRPr lang="pt-BR" noProof="0" dirty="0"/>
           </a:p>
@@ -4896,7 +4897,7 @@
             <a:pPr rtl="0"/>
             <a:fld id="{0655272F-B51B-4957-97B0-074D18FB99AD}" type="datetime1">
               <a:rPr lang="pt-BR" noProof="0" smtClean="0"/>
-              <a:t>25/07/2023</a:t>
+              <a:t>28/07/2023</a:t>
             </a:fld>
             <a:endParaRPr lang="pt-BR" noProof="0" dirty="0"/>
           </a:p>
@@ -5023,7 +5024,7 @@
             <a:pPr rtl="0"/>
             <a:fld id="{C1056502-BDB4-46EE-9217-C5A23E5BE0CE}" type="datetime1">
               <a:rPr lang="pt-BR" noProof="0" smtClean="0"/>
-              <a:t>25/07/2023</a:t>
+              <a:t>28/07/2023</a:t>
             </a:fld>
             <a:endParaRPr lang="pt-BR" noProof="0" dirty="0"/>
           </a:p>
@@ -5121,7 +5122,7 @@
             <a:pPr rtl="0"/>
             <a:fld id="{05E6A84A-F340-402E-97D3-C59F51FBE66F}" type="datetime1">
               <a:rPr lang="pt-BR" noProof="0" smtClean="0"/>
-              <a:t>25/07/2023</a:t>
+              <a:t>28/07/2023</a:t>
             </a:fld>
             <a:endParaRPr lang="pt-BR" noProof="0" dirty="0"/>
           </a:p>
@@ -5380,7 +5381,7 @@
             <a:pPr rtl="0"/>
             <a:fld id="{50C5BF86-AA12-49E0-AC44-8E2B1E4B1B72}" type="datetime1">
               <a:rPr lang="pt-BR" noProof="0" smtClean="0"/>
-              <a:t>25/07/2023</a:t>
+              <a:t>28/07/2023</a:t>
             </a:fld>
             <a:endParaRPr lang="pt-BR" noProof="0" dirty="0"/>
           </a:p>
@@ -5692,7 +5693,7 @@
             <a:pPr rtl="0"/>
             <a:fld id="{685EFD07-A8B9-401F-868B-7649A9F826C1}" type="datetime1">
               <a:rPr lang="pt-BR" noProof="0" smtClean="0"/>
-              <a:t>25/07/2023</a:t>
+              <a:t>28/07/2023</a:t>
             </a:fld>
             <a:endParaRPr lang="pt-BR" noProof="0" dirty="0"/>
           </a:p>
@@ -5928,7 +5929,7 @@
             <a:pPr rtl="0"/>
             <a:fld id="{76D0790B-18CF-4284-B479-4F95A66DEDDE}" type="datetime1">
               <a:rPr lang="pt-BR" noProof="0" smtClean="0"/>
-              <a:t>25/07/2023</a:t>
+              <a:t>28/07/2023</a:t>
             </a:fld>
             <a:endParaRPr lang="pt-BR" noProof="0" dirty="0"/>
           </a:p>
@@ -6848,7 +6849,7 @@
           </a:effectLst>
           <a:extLst>
             <a:ext uri="{91240B29-F687-4f45-9708-019B960494DF}">
-              <a14:hiddenLine xmlns="" xmlns:a14="http://schemas.microsoft.com/office/drawing/2010/main" xmlns:a16="http://schemas.microsoft.com/office/drawing/2014/main" xmlns:p14="http://schemas.microsoft.com/office/powerpoint/2010/main" w="9525">
+              <a14:hiddenLine xmlns:p14="http://schemas.microsoft.com/office/powerpoint/2010/main" xmlns:a16="http://schemas.microsoft.com/office/drawing/2014/main" xmlns:a14="http://schemas.microsoft.com/office/drawing/2010/main" xmlns="" w="9525">
                 <a:solidFill>
                   <a:srgbClr val="000000"/>
                 </a:solidFill>
@@ -8315,18 +8316,67 @@
             <p:ph type="title"/>
           </p:nvPr>
         </p:nvSpPr>
-        <p:spPr/>
-        <p:txBody>
-          <a:bodyPr/>
+        <p:spPr>
+          <a:xfrm>
+            <a:off x="470194" y="452717"/>
+            <a:ext cx="3277053" cy="313765"/>
+          </a:xfrm>
+        </p:spPr>
+        <p:txBody>
+          <a:bodyPr vert="horz" lIns="91440" tIns="45720" rIns="91440" bIns="45720" rtlCol="0" anchor="b">
+            <a:noAutofit/>
+          </a:bodyPr>
           <a:lstStyle/>
           <a:p>
             <a:r>
-              <a:rPr lang="pt-BR" dirty="0"/>
+              <a:rPr lang="pt-BR" sz="4000" b="0" kern="1200" dirty="0">
+                <a:effectLst>
+                  <a:outerShdw blurRad="9525" dist="25400" dir="14640000" algn="tl" rotWithShape="0">
+                    <a:schemeClr val="bg1">
+                      <a:alpha val="30000"/>
+                    </a:schemeClr>
+                  </a:outerShdw>
+                </a:effectLst>
+                <a:latin typeface="+mj-lt"/>
+                <a:ea typeface="+mj-ea"/>
+                <a:cs typeface="Trebuchet MS"/>
+              </a:rPr>
               <a:t>Dia 02</a:t>
             </a:r>
           </a:p>
         </p:txBody>
       </p:sp>
+      <p:pic>
+        <p:nvPicPr>
+          <p:cNvPr id="5" name="Imagem 4">
+            <a:extLst>
+              <a:ext uri="{FF2B5EF4-FFF2-40B4-BE49-F238E27FC236}">
+                <a16:creationId xmlns:a16="http://schemas.microsoft.com/office/drawing/2014/main" id="{EE010E27-D6DB-100E-A4E1-06F37A0BB85D}"/>
+              </a:ext>
+            </a:extLst>
+          </p:cNvPr>
+          <p:cNvPicPr>
+            <a:picLocks noChangeAspect="1"/>
+          </p:cNvPicPr>
+          <p:nvPr/>
+        </p:nvPicPr>
+        <p:blipFill>
+          <a:blip r:embed="rId2"/>
+          <a:stretch>
+            <a:fillRect/>
+          </a:stretch>
+        </p:blipFill>
+        <p:spPr>
+          <a:xfrm>
+            <a:off x="5984190" y="609600"/>
+            <a:ext cx="2921000" cy="5080001"/>
+          </a:xfrm>
+          <a:prstGeom prst="rect">
+            <a:avLst/>
+          </a:prstGeom>
+          <a:noFill/>
+        </p:spPr>
+      </p:pic>
       <p:sp>
         <p:nvSpPr>
           <p:cNvPr id="3" name="CaixaDeTexto 2">
@@ -8341,116 +8391,517 @@
         </p:nvSpPr>
         <p:spPr>
           <a:xfrm>
-            <a:off x="412376" y="1425388"/>
-            <a:ext cx="8042285" cy="2585323"/>
+            <a:off x="238810" y="1237129"/>
+            <a:ext cx="4801053" cy="3690472"/>
           </a:xfrm>
           <a:prstGeom prst="rect">
             <a:avLst/>
           </a:prstGeom>
-          <a:noFill/>
+          <a:effectLst>
+            <a:outerShdw blurRad="25400" dir="17880000">
+              <a:srgbClr val="000000">
+                <a:alpha val="46000"/>
+              </a:srgbClr>
+            </a:outerShdw>
+          </a:effectLst>
         </p:spPr>
         <p:txBody>
-          <a:bodyPr wrap="square" rtlCol="0">
-            <a:spAutoFit/>
+          <a:bodyPr vert="horz" lIns="91440" tIns="45720" rIns="91440" bIns="45720" rtlCol="0" anchor="t">
+            <a:normAutofit lnSpcReduction="10000"/>
           </a:bodyPr>
           <a:lstStyle/>
           <a:p>
-            <a:r>
-              <a:rPr lang="pt-BR" dirty="0"/>
+            <a:pPr algn="ctr" defTabSz="457200">
+              <a:spcBef>
+                <a:spcPct val="20000"/>
+              </a:spcBef>
+              <a:spcAft>
+                <a:spcPts val="600"/>
+              </a:spcAft>
+              <a:buClr>
+                <a:schemeClr val="tx2"/>
+              </a:buClr>
+              <a:buSzPct val="70000"/>
+            </a:pPr>
+            <a:r>
+              <a:rPr lang="pt-BR" sz="2000" kern="1200" dirty="0">
+                <a:ln>
+                  <a:solidFill>
+                    <a:schemeClr val="bg1">
+                      <a:lumMod val="75000"/>
+                      <a:lumOff val="25000"/>
+                      <a:alpha val="10000"/>
+                    </a:schemeClr>
+                  </a:solidFill>
+                </a:ln>
+                <a:solidFill>
+                  <a:schemeClr val="tx2"/>
+                </a:solidFill>
+                <a:effectLst>
+                  <a:outerShdw blurRad="9525" dist="25400" dir="14640000" algn="tl" rotWithShape="0">
+                    <a:schemeClr val="bg1">
+                      <a:alpha val="30000"/>
+                    </a:schemeClr>
+                  </a:outerShdw>
+                </a:effectLst>
+                <a:latin typeface="+mn-lt"/>
+                <a:ea typeface="+mn-ea"/>
+                <a:cs typeface="+mn-cs"/>
+              </a:rPr>
               <a:t>Objetivos:</a:t>
             </a:r>
           </a:p>
           <a:p>
-            <a:endParaRPr lang="pt-BR" dirty="0"/>
-          </a:p>
-          <a:p>
-            <a:pPr marL="285750" indent="-285750">
-              <a:buFont typeface="Arial" panose="020B0604020202020204" pitchFamily="34" charset="0"/>
-              <a:buChar char="•"/>
+            <a:pPr algn="ctr" defTabSz="457200">
+              <a:spcBef>
+                <a:spcPct val="20000"/>
+              </a:spcBef>
+              <a:spcAft>
+                <a:spcPts val="600"/>
+              </a:spcAft>
+              <a:buClr>
+                <a:schemeClr val="tx2"/>
+              </a:buClr>
+              <a:buSzPct val="70000"/>
             </a:pPr>
-            <a:r>
-              <a:rPr lang="pt-BR" dirty="0"/>
+            <a:endParaRPr lang="pt-BR" sz="2000" kern="1200" dirty="0">
+              <a:ln>
+                <a:solidFill>
+                  <a:schemeClr val="bg1">
+                    <a:lumMod val="75000"/>
+                    <a:lumOff val="25000"/>
+                    <a:alpha val="10000"/>
+                  </a:schemeClr>
+                </a:solidFill>
+              </a:ln>
+              <a:solidFill>
+                <a:schemeClr val="tx2"/>
+              </a:solidFill>
+              <a:effectLst>
+                <a:outerShdw blurRad="9525" dist="25400" dir="14640000" algn="tl" rotWithShape="0">
+                  <a:schemeClr val="bg1">
+                    <a:alpha val="30000"/>
+                  </a:schemeClr>
+                </a:outerShdw>
+              </a:effectLst>
+              <a:latin typeface="+mn-lt"/>
+              <a:ea typeface="+mn-ea"/>
+              <a:cs typeface="+mn-cs"/>
+            </a:endParaRPr>
+          </a:p>
+          <a:p>
+            <a:pPr algn="ctr" defTabSz="457200">
+              <a:spcBef>
+                <a:spcPct val="20000"/>
+              </a:spcBef>
+              <a:spcAft>
+                <a:spcPts val="600"/>
+              </a:spcAft>
+              <a:buClr>
+                <a:schemeClr val="tx2"/>
+              </a:buClr>
+              <a:buSzPct val="70000"/>
+            </a:pPr>
+            <a:r>
+              <a:rPr lang="pt-BR" sz="2000" kern="1200" dirty="0">
+                <a:ln>
+                  <a:solidFill>
+                    <a:schemeClr val="bg1">
+                      <a:lumMod val="75000"/>
+                      <a:lumOff val="25000"/>
+                      <a:alpha val="10000"/>
+                    </a:schemeClr>
+                  </a:solidFill>
+                </a:ln>
+                <a:solidFill>
+                  <a:schemeClr val="tx2"/>
+                </a:solidFill>
+                <a:effectLst>
+                  <a:outerShdw blurRad="9525" dist="25400" dir="14640000" algn="tl" rotWithShape="0">
+                    <a:schemeClr val="bg1">
+                      <a:alpha val="30000"/>
+                    </a:schemeClr>
+                  </a:outerShdw>
+                </a:effectLst>
+                <a:latin typeface="+mn-lt"/>
+                <a:ea typeface="+mn-ea"/>
+                <a:cs typeface="+mn-cs"/>
+              </a:rPr>
               <a:t>Fazer </a:t>
             </a:r>
             <a:r>
-              <a:rPr lang="pt-BR" dirty="0" err="1"/>
+              <a:rPr lang="pt-BR" sz="2000" kern="1200" dirty="0" err="1">
+                <a:ln>
+                  <a:solidFill>
+                    <a:schemeClr val="bg1">
+                      <a:lumMod val="75000"/>
+                      <a:lumOff val="25000"/>
+                      <a:alpha val="10000"/>
+                    </a:schemeClr>
+                  </a:solidFill>
+                </a:ln>
+                <a:solidFill>
+                  <a:schemeClr val="tx2"/>
+                </a:solidFill>
+                <a:effectLst>
+                  <a:outerShdw blurRad="9525" dist="25400" dir="14640000" algn="tl" rotWithShape="0">
+                    <a:schemeClr val="bg1">
+                      <a:alpha val="30000"/>
+                    </a:schemeClr>
+                  </a:outerShdw>
+                </a:effectLst>
+                <a:latin typeface="+mn-lt"/>
+                <a:ea typeface="+mn-ea"/>
+                <a:cs typeface="+mn-cs"/>
+              </a:rPr>
+              <a:t>dataannotations</a:t>
+            </a:r>
+            <a:r>
+              <a:rPr lang="pt-BR" sz="2000" kern="1200" dirty="0">
+                <a:ln>
+                  <a:solidFill>
+                    <a:schemeClr val="bg1">
+                      <a:lumMod val="75000"/>
+                      <a:lumOff val="25000"/>
+                      <a:alpha val="10000"/>
+                    </a:schemeClr>
+                  </a:solidFill>
+                </a:ln>
+                <a:solidFill>
+                  <a:schemeClr val="tx2"/>
+                </a:solidFill>
+                <a:effectLst>
+                  <a:outerShdw blurRad="9525" dist="25400" dir="14640000" algn="tl" rotWithShape="0">
+                    <a:schemeClr val="bg1">
+                      <a:alpha val="30000"/>
+                    </a:schemeClr>
+                  </a:outerShdw>
+                </a:effectLst>
+                <a:latin typeface="+mn-lt"/>
+                <a:ea typeface="+mn-ea"/>
+                <a:cs typeface="+mn-cs"/>
+              </a:rPr>
+              <a:t> (</a:t>
+            </a:r>
+            <a:r>
+              <a:rPr lang="pt-BR" sz="2000" kern="1200" dirty="0" err="1">
+                <a:ln>
+                  <a:solidFill>
+                    <a:schemeClr val="bg1">
+                      <a:lumMod val="75000"/>
+                      <a:lumOff val="25000"/>
+                      <a:alpha val="10000"/>
+                    </a:schemeClr>
+                  </a:solidFill>
+                </a:ln>
+                <a:solidFill>
+                  <a:schemeClr val="tx2"/>
+                </a:solidFill>
+                <a:effectLst>
+                  <a:outerShdw blurRad="9525" dist="25400" dir="14640000" algn="tl" rotWithShape="0">
+                    <a:schemeClr val="bg1">
+                      <a:alpha val="30000"/>
+                    </a:schemeClr>
+                  </a:outerShdw>
+                </a:effectLst>
+                <a:latin typeface="+mn-lt"/>
+                <a:ea typeface="+mn-ea"/>
+                <a:cs typeface="+mn-cs"/>
+              </a:rPr>
               <a:t>MaxLenght</a:t>
             </a:r>
-            <a:endParaRPr lang="pt-BR" dirty="0"/>
-          </a:p>
-          <a:p>
-            <a:pPr marL="285750" indent="-285750">
-              <a:buFont typeface="Arial" panose="020B0604020202020204" pitchFamily="34" charset="0"/>
-              <a:buChar char="•"/>
+            <a:r>
+              <a:rPr lang="pt-BR" sz="2000" kern="1200" dirty="0">
+                <a:ln>
+                  <a:solidFill>
+                    <a:schemeClr val="bg1">
+                      <a:lumMod val="75000"/>
+                      <a:lumOff val="25000"/>
+                      <a:alpha val="10000"/>
+                    </a:schemeClr>
+                  </a:solidFill>
+                </a:ln>
+                <a:solidFill>
+                  <a:schemeClr val="tx2"/>
+                </a:solidFill>
+                <a:effectLst>
+                  <a:outerShdw blurRad="9525" dist="25400" dir="14640000" algn="tl" rotWithShape="0">
+                    <a:schemeClr val="bg1">
+                      <a:alpha val="30000"/>
+                    </a:schemeClr>
+                  </a:outerShdw>
+                </a:effectLst>
+                <a:latin typeface="+mn-lt"/>
+                <a:ea typeface="+mn-ea"/>
+                <a:cs typeface="+mn-cs"/>
+              </a:rPr>
+              <a:t>, </a:t>
+            </a:r>
+            <a:r>
+              <a:rPr lang="pt-BR" sz="2000" kern="1200" dirty="0" err="1">
+                <a:ln>
+                  <a:solidFill>
+                    <a:schemeClr val="bg1">
+                      <a:lumMod val="75000"/>
+                      <a:lumOff val="25000"/>
+                      <a:alpha val="10000"/>
+                    </a:schemeClr>
+                  </a:solidFill>
+                </a:ln>
+                <a:solidFill>
+                  <a:schemeClr val="tx2"/>
+                </a:solidFill>
+                <a:effectLst>
+                  <a:outerShdw blurRad="9525" dist="25400" dir="14640000" algn="tl" rotWithShape="0">
+                    <a:schemeClr val="bg1">
+                      <a:alpha val="30000"/>
+                    </a:schemeClr>
+                  </a:outerShdw>
+                </a:effectLst>
+                <a:latin typeface="+mn-lt"/>
+                <a:ea typeface="+mn-ea"/>
+                <a:cs typeface="+mn-cs"/>
+              </a:rPr>
+              <a:t>Required</a:t>
+            </a:r>
+            <a:r>
+              <a:rPr lang="pt-BR" sz="2000" kern="1200" dirty="0">
+                <a:ln>
+                  <a:solidFill>
+                    <a:schemeClr val="bg1">
+                      <a:lumMod val="75000"/>
+                      <a:lumOff val="25000"/>
+                      <a:alpha val="10000"/>
+                    </a:schemeClr>
+                  </a:solidFill>
+                </a:ln>
+                <a:solidFill>
+                  <a:schemeClr val="tx2"/>
+                </a:solidFill>
+                <a:effectLst>
+                  <a:outerShdw blurRad="9525" dist="25400" dir="14640000" algn="tl" rotWithShape="0">
+                    <a:schemeClr val="bg1">
+                      <a:alpha val="30000"/>
+                    </a:schemeClr>
+                  </a:outerShdw>
+                </a:effectLst>
+                <a:latin typeface="+mn-lt"/>
+                <a:ea typeface="+mn-ea"/>
+                <a:cs typeface="+mn-cs"/>
+              </a:rPr>
+              <a:t>)</a:t>
+            </a:r>
+          </a:p>
+          <a:p>
+            <a:pPr algn="ctr" defTabSz="457200">
+              <a:spcBef>
+                <a:spcPct val="20000"/>
+              </a:spcBef>
+              <a:spcAft>
+                <a:spcPts val="600"/>
+              </a:spcAft>
+              <a:buClr>
+                <a:schemeClr val="tx2"/>
+              </a:buClr>
+              <a:buSzPct val="70000"/>
             </a:pPr>
             <a:r>
-              <a:rPr lang="pt-BR" dirty="0"/>
-              <a:t>Fazer migration</a:t>
-            </a:r>
-          </a:p>
-          <a:p>
-            <a:pPr marL="285750" indent="-285750">
-              <a:buFont typeface="Arial" panose="020B0604020202020204" pitchFamily="34" charset="0"/>
-              <a:buChar char="•"/>
+              <a:rPr lang="pt-BR" sz="2000" kern="1200" dirty="0">
+                <a:ln>
+                  <a:solidFill>
+                    <a:schemeClr val="bg1">
+                      <a:lumMod val="75000"/>
+                      <a:lumOff val="25000"/>
+                      <a:alpha val="10000"/>
+                    </a:schemeClr>
+                  </a:solidFill>
+                </a:ln>
+                <a:solidFill>
+                  <a:schemeClr val="tx2"/>
+                </a:solidFill>
+                <a:effectLst>
+                  <a:outerShdw blurRad="9525" dist="25400" dir="14640000" algn="tl" rotWithShape="0">
+                    <a:schemeClr val="bg1">
+                      <a:alpha val="30000"/>
+                    </a:schemeClr>
+                  </a:outerShdw>
+                </a:effectLst>
+                <a:latin typeface="+mn-lt"/>
+                <a:ea typeface="+mn-ea"/>
+                <a:cs typeface="+mn-cs"/>
+                <a:hlinkClick r:id="rId3"/>
+              </a:rPr>
+              <a:t>https://learn.microsoft.com/pt-br/aspnet/mvc/overview/older-versions/mvc-music-store/mvc-music-store-part-6</a:t>
+            </a:r>
+            <a:endParaRPr lang="pt-BR" sz="2000" kern="1200" dirty="0">
+              <a:ln>
+                <a:solidFill>
+                  <a:schemeClr val="bg1">
+                    <a:lumMod val="75000"/>
+                    <a:lumOff val="25000"/>
+                    <a:alpha val="10000"/>
+                  </a:schemeClr>
+                </a:solidFill>
+              </a:ln>
+              <a:solidFill>
+                <a:schemeClr val="tx2"/>
+              </a:solidFill>
+              <a:effectLst>
+                <a:outerShdw blurRad="9525" dist="25400" dir="14640000" algn="tl" rotWithShape="0">
+                  <a:schemeClr val="bg1">
+                    <a:alpha val="30000"/>
+                  </a:schemeClr>
+                </a:outerShdw>
+              </a:effectLst>
+              <a:latin typeface="+mn-lt"/>
+              <a:ea typeface="+mn-ea"/>
+              <a:cs typeface="+mn-cs"/>
+            </a:endParaRPr>
+          </a:p>
+          <a:p>
+            <a:pPr algn="ctr" defTabSz="457200">
+              <a:spcBef>
+                <a:spcPct val="20000"/>
+              </a:spcBef>
+              <a:spcAft>
+                <a:spcPts val="600"/>
+              </a:spcAft>
+              <a:buClr>
+                <a:schemeClr val="tx2"/>
+              </a:buClr>
+              <a:buSzPct val="70000"/>
             </a:pPr>
-            <a:r>
-              <a:rPr lang="pt-BR"/>
-              <a:t>Fazer </a:t>
-            </a:r>
-            <a:r>
-              <a:rPr lang="pt-BR" dirty="0"/>
-              <a:t>um </a:t>
-            </a:r>
-            <a:r>
-              <a:rPr lang="pt-BR" dirty="0" err="1"/>
-              <a:t>insert</a:t>
-            </a:r>
-            <a:r>
-              <a:rPr lang="pt-BR" dirty="0"/>
-              <a:t> Bulk</a:t>
-            </a:r>
-          </a:p>
-          <a:p>
-            <a:pPr marL="285750" indent="-285750">
-              <a:buFont typeface="Arial" panose="020B0604020202020204" pitchFamily="34" charset="0"/>
-              <a:buChar char="•"/>
+            <a:endParaRPr lang="pt-BR" sz="2000" kern="1200" dirty="0">
+              <a:ln>
+                <a:solidFill>
+                  <a:schemeClr val="bg1">
+                    <a:lumMod val="75000"/>
+                    <a:lumOff val="25000"/>
+                    <a:alpha val="10000"/>
+                  </a:schemeClr>
+                </a:solidFill>
+              </a:ln>
+              <a:solidFill>
+                <a:schemeClr val="tx2"/>
+              </a:solidFill>
+              <a:effectLst>
+                <a:outerShdw blurRad="9525" dist="25400" dir="14640000" algn="tl" rotWithShape="0">
+                  <a:schemeClr val="bg1">
+                    <a:alpha val="30000"/>
+                  </a:schemeClr>
+                </a:outerShdw>
+              </a:effectLst>
+              <a:latin typeface="+mn-lt"/>
+              <a:ea typeface="+mn-ea"/>
+              <a:cs typeface="+mn-cs"/>
+            </a:endParaRPr>
+          </a:p>
+          <a:p>
+            <a:pPr algn="ctr" defTabSz="457200">
+              <a:spcBef>
+                <a:spcPct val="20000"/>
+              </a:spcBef>
+              <a:spcAft>
+                <a:spcPts val="600"/>
+              </a:spcAft>
+              <a:buClr>
+                <a:schemeClr val="tx2"/>
+              </a:buClr>
+              <a:buSzPct val="70000"/>
             </a:pPr>
             <a:r>
-              <a:rPr lang="pt-BR" dirty="0"/>
-              <a:t>Fazer um CRUD – </a:t>
-            </a:r>
-            <a:r>
-              <a:rPr lang="pt-BR" dirty="0" err="1"/>
-              <a:t>scanfold</a:t>
-            </a:r>
-            <a:endParaRPr lang="pt-BR" dirty="0"/>
-          </a:p>
-          <a:p>
-            <a:pPr marL="285750" indent="-285750">
-              <a:buFont typeface="Arial" panose="020B0604020202020204" pitchFamily="34" charset="0"/>
-              <a:buChar char="•"/>
+              <a:rPr lang="pt-BR" sz="2000" kern="1200" dirty="0">
+                <a:ln>
+                  <a:solidFill>
+                    <a:schemeClr val="bg1">
+                      <a:lumMod val="75000"/>
+                      <a:lumOff val="25000"/>
+                      <a:alpha val="10000"/>
+                    </a:schemeClr>
+                  </a:solidFill>
+                </a:ln>
+                <a:solidFill>
+                  <a:schemeClr val="tx2"/>
+                </a:solidFill>
+                <a:effectLst>
+                  <a:outerShdw blurRad="9525" dist="25400" dir="14640000" algn="tl" rotWithShape="0">
+                    <a:schemeClr val="bg1">
+                      <a:alpha val="30000"/>
+                    </a:schemeClr>
+                  </a:outerShdw>
+                </a:effectLst>
+                <a:latin typeface="+mn-lt"/>
+                <a:ea typeface="+mn-ea"/>
+                <a:cs typeface="+mn-cs"/>
+              </a:rPr>
+              <a:t>Entender a documentação</a:t>
+            </a:r>
+          </a:p>
+          <a:p>
+            <a:pPr algn="ctr" defTabSz="457200">
+              <a:spcBef>
+                <a:spcPct val="20000"/>
+              </a:spcBef>
+              <a:spcAft>
+                <a:spcPts val="600"/>
+              </a:spcAft>
+              <a:buClr>
+                <a:schemeClr val="tx2"/>
+              </a:buClr>
+              <a:buSzPct val="70000"/>
             </a:pPr>
             <a:r>
-              <a:rPr lang="pt-BR" dirty="0"/>
-              <a:t>Modificar o HTML menu</a:t>
-            </a:r>
-          </a:p>
-          <a:p>
-            <a:pPr marL="285750" indent="-285750">
-              <a:buFont typeface="Arial" panose="020B0604020202020204" pitchFamily="34" charset="0"/>
-              <a:buChar char="•"/>
-            </a:pPr>
-            <a:r>
-              <a:rPr lang="pt-BR" dirty="0"/>
-              <a:t>Entender o CRUD</a:t>
-            </a:r>
-          </a:p>
-          <a:p>
-            <a:pPr marL="285750" indent="-285750">
-              <a:buFont typeface="Arial" panose="020B0604020202020204" pitchFamily="34" charset="0"/>
-              <a:buChar char="•"/>
-            </a:pPr>
-            <a:endParaRPr lang="pt-BR" dirty="0"/>
+              <a:rPr lang="pt-BR" sz="2000" kern="1200" dirty="0">
+                <a:ln>
+                  <a:solidFill>
+                    <a:schemeClr val="bg1">
+                      <a:lumMod val="75000"/>
+                      <a:lumOff val="25000"/>
+                      <a:alpha val="10000"/>
+                    </a:schemeClr>
+                  </a:solidFill>
+                </a:ln>
+                <a:solidFill>
+                  <a:schemeClr val="tx2"/>
+                </a:solidFill>
+                <a:effectLst>
+                  <a:outerShdw blurRad="9525" dist="25400" dir="14640000" algn="tl" rotWithShape="0">
+                    <a:schemeClr val="bg1">
+                      <a:alpha val="30000"/>
+                    </a:schemeClr>
+                  </a:outerShdw>
+                </a:effectLst>
+                <a:latin typeface="+mn-lt"/>
+                <a:ea typeface="+mn-ea"/>
+                <a:cs typeface="+mn-cs"/>
+                <a:hlinkClick r:id="rId4"/>
+              </a:rPr>
+              <a:t>https://learn.microsoft.com/pt-br/aspnet/core/?view=aspnetcore-7.0</a:t>
+            </a:r>
+            <a:endParaRPr lang="pt-BR" sz="2000" kern="1200" dirty="0">
+              <a:ln>
+                <a:solidFill>
+                  <a:schemeClr val="bg1">
+                    <a:lumMod val="75000"/>
+                    <a:lumOff val="25000"/>
+                    <a:alpha val="10000"/>
+                  </a:schemeClr>
+                </a:solidFill>
+              </a:ln>
+              <a:solidFill>
+                <a:schemeClr val="tx2"/>
+              </a:solidFill>
+              <a:effectLst>
+                <a:outerShdw blurRad="9525" dist="25400" dir="14640000" algn="tl" rotWithShape="0">
+                  <a:schemeClr val="bg1">
+                    <a:alpha val="30000"/>
+                  </a:schemeClr>
+                </a:outerShdw>
+              </a:effectLst>
+              <a:latin typeface="+mn-lt"/>
+              <a:ea typeface="+mn-ea"/>
+              <a:cs typeface="+mn-cs"/>
+            </a:endParaRPr>
           </a:p>
         </p:txBody>
       </p:sp>
@@ -8489,6 +8940,185 @@
           <p:cNvPr id="2" name="Título 1">
             <a:extLst>
               <a:ext uri="{FF2B5EF4-FFF2-40B4-BE49-F238E27FC236}">
+                <a16:creationId xmlns:a16="http://schemas.microsoft.com/office/drawing/2014/main" id="{931CE81D-11CE-5489-EE38-FB3F298D09D3}"/>
+              </a:ext>
+            </a:extLst>
+          </p:cNvPr>
+          <p:cNvSpPr>
+            <a:spLocks noGrp="1"/>
+          </p:cNvSpPr>
+          <p:nvPr>
+            <p:ph type="title"/>
+          </p:nvPr>
+        </p:nvSpPr>
+        <p:spPr/>
+        <p:txBody>
+          <a:bodyPr/>
+          <a:lstStyle/>
+          <a:p>
+            <a:r>
+              <a:rPr lang="pt-BR" sz="4800" b="0" kern="1200">
+                <a:effectLst>
+                  <a:outerShdw blurRad="9525" dist="25400" dir="14640000" algn="tl" rotWithShape="0">
+                    <a:schemeClr val="bg1">
+                      <a:alpha val="30000"/>
+                    </a:schemeClr>
+                  </a:outerShdw>
+                </a:effectLst>
+                <a:latin typeface="+mj-lt"/>
+                <a:ea typeface="+mj-ea"/>
+                <a:cs typeface="Trebuchet MS"/>
+              </a:rPr>
+              <a:t>Dia 02</a:t>
+            </a:r>
+            <a:endParaRPr lang="pt-BR"/>
+          </a:p>
+        </p:txBody>
+      </p:sp>
+      <p:sp>
+        <p:nvSpPr>
+          <p:cNvPr id="3" name="CaixaDeTexto 2">
+            <a:extLst>
+              <a:ext uri="{FF2B5EF4-FFF2-40B4-BE49-F238E27FC236}">
+                <a16:creationId xmlns:a16="http://schemas.microsoft.com/office/drawing/2014/main" id="{03E594B3-E130-0C6B-03F8-C882AAE0DB15}"/>
+              </a:ext>
+            </a:extLst>
+          </p:cNvPr>
+          <p:cNvSpPr txBox="1"/>
+          <p:nvPr/>
+        </p:nvSpPr>
+        <p:spPr>
+          <a:xfrm>
+            <a:off x="304800" y="1828800"/>
+            <a:ext cx="8149861" cy="2308324"/>
+          </a:xfrm>
+          <a:prstGeom prst="rect">
+            <a:avLst/>
+          </a:prstGeom>
+          <a:noFill/>
+        </p:spPr>
+        <p:txBody>
+          <a:bodyPr wrap="square" rtlCol="0">
+            <a:spAutoFit/>
+          </a:bodyPr>
+          <a:lstStyle/>
+          <a:p>
+            <a:pPr marL="285750" indent="-285750">
+              <a:buFont typeface="Arial" panose="020B0604020202020204" pitchFamily="34" charset="0"/>
+              <a:buChar char="•"/>
+            </a:pPr>
+            <a:endParaRPr lang="pt-BR" dirty="0"/>
+          </a:p>
+          <a:p>
+            <a:pPr marL="285750" indent="-285750">
+              <a:buFont typeface="Arial" panose="020B0604020202020204" pitchFamily="34" charset="0"/>
+              <a:buChar char="•"/>
+            </a:pPr>
+            <a:r>
+              <a:rPr lang="pt-BR" dirty="0"/>
+              <a:t>Fazer migration</a:t>
+            </a:r>
+          </a:p>
+          <a:p>
+            <a:pPr marL="285750" indent="-285750">
+              <a:buFont typeface="Arial" panose="020B0604020202020204" pitchFamily="34" charset="0"/>
+              <a:buChar char="•"/>
+            </a:pPr>
+            <a:r>
+              <a:rPr lang="pt-BR" dirty="0"/>
+              <a:t>Fazer um </a:t>
+            </a:r>
+            <a:r>
+              <a:rPr lang="pt-BR" dirty="0" err="1"/>
+              <a:t>insert</a:t>
+            </a:r>
+            <a:r>
+              <a:rPr lang="pt-BR" dirty="0"/>
+              <a:t> Bulk</a:t>
+            </a:r>
+          </a:p>
+          <a:p>
+            <a:pPr marL="285750" indent="-285750">
+              <a:buFont typeface="Arial" panose="020B0604020202020204" pitchFamily="34" charset="0"/>
+              <a:buChar char="•"/>
+            </a:pPr>
+            <a:r>
+              <a:rPr lang="pt-BR" dirty="0"/>
+              <a:t>Fazer um CRUD – </a:t>
+            </a:r>
+            <a:r>
+              <a:rPr lang="pt-BR" dirty="0" err="1"/>
+              <a:t>scanfold</a:t>
+            </a:r>
+            <a:endParaRPr lang="pt-BR" dirty="0"/>
+          </a:p>
+          <a:p>
+            <a:pPr marL="285750" indent="-285750">
+              <a:buFont typeface="Arial" panose="020B0604020202020204" pitchFamily="34" charset="0"/>
+              <a:buChar char="•"/>
+            </a:pPr>
+            <a:r>
+              <a:rPr lang="pt-BR" dirty="0"/>
+              <a:t>Modificar o HTML menu</a:t>
+            </a:r>
+          </a:p>
+          <a:p>
+            <a:pPr marL="285750" indent="-285750">
+              <a:buFont typeface="Arial" panose="020B0604020202020204" pitchFamily="34" charset="0"/>
+              <a:buChar char="•"/>
+            </a:pPr>
+            <a:r>
+              <a:rPr lang="pt-BR" dirty="0"/>
+              <a:t>Entender o CRUD</a:t>
+            </a:r>
+          </a:p>
+          <a:p>
+            <a:pPr marL="285750" indent="-285750">
+              <a:buFont typeface="Arial" panose="020B0604020202020204" pitchFamily="34" charset="0"/>
+              <a:buChar char="•"/>
+            </a:pPr>
+            <a:endParaRPr lang="pt-BR" dirty="0"/>
+          </a:p>
+          <a:p>
+            <a:endParaRPr lang="pt-BR" dirty="0"/>
+          </a:p>
+        </p:txBody>
+      </p:sp>
+    </p:spTree>
+    <p:extLst>
+      <p:ext uri="{BB962C8B-B14F-4D97-AF65-F5344CB8AC3E}">
+        <p14:creationId xmlns:p14="http://schemas.microsoft.com/office/powerpoint/2010/main" val="1112928074"/>
+      </p:ext>
+    </p:extLst>
+  </p:cSld>
+  <p:clrMapOvr>
+    <a:masterClrMapping/>
+  </p:clrMapOvr>
+</p:sld>
+</file>
+
+<file path=ppt/slides/slide22.xml><?xml version="1.0" encoding="utf-8"?>
+<p:sld xmlns:a="http://schemas.openxmlformats.org/drawingml/2006/main" xmlns:r="http://schemas.openxmlformats.org/officeDocument/2006/relationships" xmlns:p="http://schemas.openxmlformats.org/presentationml/2006/main">
+  <p:cSld>
+    <p:spTree>
+      <p:nvGrpSpPr>
+        <p:cNvPr id="1" name=""/>
+        <p:cNvGrpSpPr/>
+        <p:nvPr/>
+      </p:nvGrpSpPr>
+      <p:grpSpPr>
+        <a:xfrm>
+          <a:off x="0" y="0"/>
+          <a:ext cx="0" cy="0"/>
+          <a:chOff x="0" y="0"/>
+          <a:chExt cx="0" cy="0"/>
+        </a:xfrm>
+      </p:grpSpPr>
+      <p:sp>
+        <p:nvSpPr>
+          <p:cNvPr id="2" name="Título 1">
+            <a:extLst>
+              <a:ext uri="{FF2B5EF4-FFF2-40B4-BE49-F238E27FC236}">
                 <a16:creationId xmlns:a16="http://schemas.microsoft.com/office/drawing/2014/main" id="{EBD3DF72-1191-50CC-B3E0-9BC9DE67E09B}"/>
               </a:ext>
             </a:extLst>
@@ -8696,7 +9326,7 @@
 </p:sld>
 </file>
 
-<file path=ppt/slides/slide22.xml><?xml version="1.0" encoding="utf-8"?>
+<file path=ppt/slides/slide23.xml><?xml version="1.0" encoding="utf-8"?>
 <p:sld xmlns:a="http://schemas.openxmlformats.org/drawingml/2006/main" xmlns:r="http://schemas.openxmlformats.org/officeDocument/2006/relationships" xmlns:p="http://schemas.openxmlformats.org/presentationml/2006/main">
   <p:cSld>
     <p:spTree>
@@ -8913,7 +9543,7 @@
 </p:sld>
 </file>
 
-<file path=ppt/slides/slide23.xml><?xml version="1.0" encoding="utf-8"?>
+<file path=ppt/slides/slide24.xml><?xml version="1.0" encoding="utf-8"?>
 <p:sld xmlns:a="http://schemas.openxmlformats.org/drawingml/2006/main" xmlns:r="http://schemas.openxmlformats.org/officeDocument/2006/relationships" xmlns:p="http://schemas.openxmlformats.org/presentationml/2006/main">
   <p:cSld>
     <p:spTree>
@@ -11418,21 +12048,21 @@
 </file>
 
 <file path=customXml/item2.xml><?xml version="1.0" encoding="utf-8"?>
+<?mso-contentType ?>
+<FormTemplates xmlns="http://schemas.microsoft.com/sharepoint/v3/contenttype/forms">
+  <Display>DocumentLibraryForm</Display>
+  <Edit>DocumentLibraryForm</Edit>
+  <New>DocumentLibraryForm</New>
+</FormTemplates>
+</file>
+
+<file path=customXml/item3.xml><?xml version="1.0" encoding="utf-8"?>
 <p:properties xmlns:p="http://schemas.microsoft.com/office/2006/metadata/properties" xmlns:xsi="http://www.w3.org/2001/XMLSchema-instance" xmlns:pc="http://schemas.microsoft.com/office/infopath/2007/PartnerControls">
   <documentManagement>
     <Status xmlns="71af3243-3dd4-4a8d-8c0d-dd76da1f02a5">Not started</Status>
     <MediaServiceKeyPoints xmlns="71af3243-3dd4-4a8d-8c0d-dd76da1f02a5" xsi:nil="true"/>
   </documentManagement>
 </p:properties>
-</file>
-
-<file path=customXml/item3.xml><?xml version="1.0" encoding="utf-8"?>
-<?mso-contentType ?>
-<FormTemplates xmlns="http://schemas.microsoft.com/sharepoint/v3/contenttype/forms">
-  <Display>DocumentLibraryForm</Display>
-  <Edit>DocumentLibraryForm</Edit>
-  <New>DocumentLibraryForm</New>
-</FormTemplates>
 </file>
 
 <file path=customXml/itemProps1.xml><?xml version="1.0" encoding="utf-8"?>
@@ -11455,6 +12085,14 @@
 </file>
 
 <file path=customXml/itemProps2.xml><?xml version="1.0" encoding="utf-8"?>
+<ds:datastoreItem xmlns:ds="http://schemas.openxmlformats.org/officeDocument/2006/customXml" ds:itemID="{64B270AB-C138-415C-897E-3C24487DECF1}">
+  <ds:schemaRefs>
+    <ds:schemaRef ds:uri="http://schemas.microsoft.com/sharepoint/v3/contenttype/forms"/>
+  </ds:schemaRefs>
+</ds:datastoreItem>
+</file>
+
+<file path=customXml/itemProps3.xml><?xml version="1.0" encoding="utf-8"?>
 <ds:datastoreItem xmlns:ds="http://schemas.openxmlformats.org/officeDocument/2006/customXml" ds:itemID="{2C4C00F4-06E9-43E3-AD97-88A857CEFA82}">
   <ds:schemaRefs>
     <ds:schemaRef ds:uri="http://schemas.microsoft.com/office/2006/metadata/properties"/>
@@ -11462,12 +12100,4 @@
     <ds:schemaRef ds:uri="71af3243-3dd4-4a8d-8c0d-dd76da1f02a5"/>
   </ds:schemaRefs>
 </ds:datastoreItem>
-</file>
-
-<file path=customXml/itemProps3.xml><?xml version="1.0" encoding="utf-8"?>
-<ds:datastoreItem xmlns:ds="http://schemas.openxmlformats.org/officeDocument/2006/customXml" ds:itemID="{64B270AB-C138-415C-897E-3C24487DECF1}">
-  <ds:schemaRefs>
-    <ds:schemaRef ds:uri="http://schemas.microsoft.com/sharepoint/v3/contenttype/forms"/>
-  </ds:schemaRefs>
-</ds:datastoreItem>
 </file>
--- a/Gauss.MVC.Projeto01/MVC.pptx
+++ b/Gauss.MVC.Projeto01/MVC.pptx
@@ -5,10 +5,10 @@
     <p:sldMasterId id="2147483660" r:id="rId4"/>
   </p:sldMasterIdLst>
   <p:notesMasterIdLst>
-    <p:notesMasterId r:id="rId26"/>
+    <p:notesMasterId r:id="rId34"/>
   </p:notesMasterIdLst>
   <p:handoutMasterIdLst>
-    <p:handoutMasterId r:id="rId27"/>
+    <p:handoutMasterId r:id="rId35"/>
   </p:handoutMasterIdLst>
   <p:sldIdLst>
     <p:sldId id="278" r:id="rId5"/>
@@ -32,6 +32,14 @@
     <p:sldId id="295" r:id="rId23"/>
     <p:sldId id="297" r:id="rId24"/>
     <p:sldId id="298" r:id="rId25"/>
+    <p:sldId id="299" r:id="rId26"/>
+    <p:sldId id="306" r:id="rId27"/>
+    <p:sldId id="301" r:id="rId28"/>
+    <p:sldId id="304" r:id="rId29"/>
+    <p:sldId id="305" r:id="rId30"/>
+    <p:sldId id="303" r:id="rId31"/>
+    <p:sldId id="302" r:id="rId32"/>
+    <p:sldId id="307" r:id="rId33"/>
   </p:sldIdLst>
   <p:sldSz cx="9144000" cy="6858000" type="screen4x3"/>
   <p:notesSz cx="6858000" cy="9144000"/>
@@ -223,7 +231,7 @@
           <a:p>
             <a:fld id="{CAF05132-4288-4164-B1CA-F5AC1CC796A7}" type="datetime1">
               <a:rPr lang="pt-BR" smtClean="0"/>
-              <a:t>21/07/2023</a:t>
+              <a:t>18/08/2023</a:t>
             </a:fld>
             <a:endParaRPr lang="pt-BR" dirty="0"/>
           </a:p>
@@ -391,7 +399,7 @@
             <a:pPr rtl="0"/>
             <a:fld id="{437FA0DA-72A3-424F-8A35-066434C5B9F1}" type="datetime1">
               <a:rPr lang="pt-BR" noProof="0" smtClean="0"/>
-              <a:t>21/07/2023</a:t>
+              <a:t>18/08/2023</a:t>
             </a:fld>
             <a:endParaRPr lang="pt-BR" noProof="0" dirty="0"/>
           </a:p>
@@ -1090,7 +1098,7 @@
             <a:pPr rtl="0"/>
             <a:fld id="{F0354758-9FD6-46D3-BA08-042BE364EA46}" type="datetime1">
               <a:rPr lang="pt-BR" noProof="0" smtClean="0"/>
-              <a:t>21/07/2023</a:t>
+              <a:t>18/08/2023</a:t>
             </a:fld>
             <a:endParaRPr lang="pt-BR" noProof="0" dirty="0"/>
           </a:p>
@@ -1155,6 +1163,317 @@
 </file>
 
 <file path=ppt/slideLayouts/slideLayout10.xml><?xml version="1.0" encoding="utf-8"?>
+<p:sldLayout xmlns:a="http://schemas.openxmlformats.org/drawingml/2006/main" xmlns:r="http://schemas.openxmlformats.org/officeDocument/2006/relationships" xmlns:p="http://schemas.openxmlformats.org/presentationml/2006/main" type="picTx" preserve="1">
+  <p:cSld name="Imagem com Legenda">
+    <p:spTree>
+      <p:nvGrpSpPr>
+        <p:cNvPr id="1" name=""/>
+        <p:cNvGrpSpPr/>
+        <p:nvPr/>
+      </p:nvGrpSpPr>
+      <p:grpSpPr>
+        <a:xfrm>
+          <a:off x="0" y="0"/>
+          <a:ext cx="0" cy="0"/>
+          <a:chOff x="0" y="0"/>
+          <a:chExt cx="0" cy="0"/>
+        </a:xfrm>
+      </p:grpSpPr>
+      <p:pic>
+        <p:nvPicPr>
+          <p:cNvPr id="22" name="Imagem 21" descr="Slate-V2-HD-vertPhotoInset.png">
+            <a:extLst>
+              <a:ext uri="{FF2B5EF4-FFF2-40B4-BE49-F238E27FC236}">
+                <a16:creationId xmlns:a16="http://schemas.microsoft.com/office/drawing/2014/main" id="{4D06E496-ACBA-4063-B4A1-C5C484EE5A77}"/>
+              </a:ext>
+            </a:extLst>
+          </p:cNvPr>
+          <p:cNvPicPr>
+            <a:picLocks noChangeAspect="1"/>
+          </p:cNvPicPr>
+          <p:nvPr/>
+        </p:nvPicPr>
+        <p:blipFill>
+          <a:blip r:embed="rId2">
+            <a:extLst>
+              <a:ext uri="{28A0092B-C50C-407E-A947-70E740481C1C}">
+                <a14:useLocalDpi xmlns:a14="http://schemas.microsoft.com/office/drawing/2010/main" val="0"/>
+              </a:ext>
+            </a:extLst>
+          </a:blip>
+          <a:stretch>
+            <a:fillRect/>
+          </a:stretch>
+        </p:blipFill>
+        <p:spPr>
+          <a:xfrm>
+            <a:off x="5470249" y="609600"/>
+            <a:ext cx="2688125" cy="5204832"/>
+          </a:xfrm>
+          <a:prstGeom prst="rect">
+            <a:avLst/>
+          </a:prstGeom>
+        </p:spPr>
+      </p:pic>
+      <p:sp>
+        <p:nvSpPr>
+          <p:cNvPr id="2" name="Título 1"/>
+          <p:cNvSpPr>
+            <a:spLocks noGrp="1"/>
+          </p:cNvSpPr>
+          <p:nvPr>
+            <p:ph type="title"/>
+          </p:nvPr>
+        </p:nvSpPr>
+        <p:spPr>
+          <a:xfrm>
+            <a:off x="685347" y="763702"/>
+            <a:ext cx="4280924" cy="1675559"/>
+          </a:xfrm>
+        </p:spPr>
+        <p:txBody>
+          <a:bodyPr rtlCol="0" anchor="b">
+            <a:noAutofit/>
+          </a:bodyPr>
+          <a:lstStyle>
+            <a:lvl1pPr algn="ctr">
+              <a:defRPr sz="3200" b="0"/>
+            </a:lvl1pPr>
+          </a:lstStyle>
+          <a:p>
+            <a:pPr rtl="0"/>
+            <a:r>
+              <a:rPr lang="pt-BR" noProof="0"/>
+              <a:t>Clique para editar o título Mestre</a:t>
+            </a:r>
+            <a:endParaRPr lang="pt-BR" noProof="0" dirty="0"/>
+          </a:p>
+        </p:txBody>
+      </p:sp>
+      <p:sp>
+        <p:nvSpPr>
+          <p:cNvPr id="3" name="Espaço reservado para imagem 2"/>
+          <p:cNvSpPr>
+            <a:spLocks noGrp="1" noChangeAspect="1"/>
+          </p:cNvSpPr>
+          <p:nvPr>
+            <p:ph type="pic" idx="1"/>
+          </p:nvPr>
+        </p:nvSpPr>
+        <p:spPr>
+          <a:xfrm>
+            <a:off x="5581914" y="763702"/>
+            <a:ext cx="2456813" cy="4912822"/>
+          </a:xfrm>
+          <a:effectLst>
+            <a:outerShdw blurRad="38100" dist="25400" dir="4440000">
+              <a:srgbClr val="000000">
+                <a:alpha val="36000"/>
+              </a:srgbClr>
+            </a:outerShdw>
+          </a:effectLst>
+        </p:spPr>
+        <p:txBody>
+          <a:bodyPr rtlCol="0" anchor="t">
+            <a:normAutofit/>
+          </a:bodyPr>
+          <a:lstStyle>
+            <a:lvl1pPr marL="0" indent="0" algn="ctr">
+              <a:buNone/>
+              <a:defRPr sz="1600"/>
+            </a:lvl1pPr>
+            <a:lvl2pPr marL="457200" indent="0">
+              <a:buNone/>
+              <a:defRPr sz="1600"/>
+            </a:lvl2pPr>
+            <a:lvl3pPr marL="914400" indent="0">
+              <a:buNone/>
+              <a:defRPr sz="1600"/>
+            </a:lvl3pPr>
+            <a:lvl4pPr marL="1371600" indent="0">
+              <a:buNone/>
+              <a:defRPr sz="1600"/>
+            </a:lvl4pPr>
+            <a:lvl5pPr marL="1828800" indent="0">
+              <a:buNone/>
+              <a:defRPr sz="1600"/>
+            </a:lvl5pPr>
+            <a:lvl6pPr marL="2286000" indent="0">
+              <a:buNone/>
+              <a:defRPr sz="1600"/>
+            </a:lvl6pPr>
+            <a:lvl7pPr marL="2743200" indent="0">
+              <a:buNone/>
+              <a:defRPr sz="1600"/>
+            </a:lvl7pPr>
+            <a:lvl8pPr marL="3200400" indent="0">
+              <a:buNone/>
+              <a:defRPr sz="1600"/>
+            </a:lvl8pPr>
+            <a:lvl9pPr marL="3657600" indent="0">
+              <a:buNone/>
+              <a:defRPr sz="1600"/>
+            </a:lvl9pPr>
+          </a:lstStyle>
+          <a:p>
+            <a:pPr rtl="0"/>
+            <a:r>
+              <a:rPr lang="pt-BR" noProof="0"/>
+              <a:t>Clique no ícone para adicionar uma imagem</a:t>
+            </a:r>
+            <a:endParaRPr lang="pt-BR" noProof="0" dirty="0"/>
+          </a:p>
+        </p:txBody>
+      </p:sp>
+      <p:sp>
+        <p:nvSpPr>
+          <p:cNvPr id="4" name="Espaço reservado para texto 3"/>
+          <p:cNvSpPr>
+            <a:spLocks noGrp="1"/>
+          </p:cNvSpPr>
+          <p:nvPr>
+            <p:ph type="body" sz="half" idx="2"/>
+          </p:nvPr>
+        </p:nvSpPr>
+        <p:spPr>
+          <a:xfrm>
+            <a:off x="1105273" y="2679700"/>
+            <a:ext cx="3441071" cy="3135695"/>
+          </a:xfrm>
+        </p:spPr>
+        <p:txBody>
+          <a:bodyPr rtlCol="0" anchor="t">
+            <a:normAutofit/>
+          </a:bodyPr>
+          <a:lstStyle>
+            <a:lvl1pPr marL="0" indent="0" algn="ctr">
+              <a:buNone/>
+              <a:defRPr sz="1600"/>
+            </a:lvl1pPr>
+            <a:lvl2pPr marL="457200" indent="0">
+              <a:buNone/>
+              <a:defRPr sz="1200"/>
+            </a:lvl2pPr>
+            <a:lvl3pPr marL="914400" indent="0">
+              <a:buNone/>
+              <a:defRPr sz="1000"/>
+            </a:lvl3pPr>
+            <a:lvl4pPr marL="1371600" indent="0">
+              <a:buNone/>
+              <a:defRPr sz="900"/>
+            </a:lvl4pPr>
+            <a:lvl5pPr marL="1828800" indent="0">
+              <a:buNone/>
+              <a:defRPr sz="900"/>
+            </a:lvl5pPr>
+            <a:lvl6pPr marL="2286000" indent="0">
+              <a:buNone/>
+              <a:defRPr sz="900"/>
+            </a:lvl6pPr>
+            <a:lvl7pPr marL="2743200" indent="0">
+              <a:buNone/>
+              <a:defRPr sz="900"/>
+            </a:lvl7pPr>
+            <a:lvl8pPr marL="3200400" indent="0">
+              <a:buNone/>
+              <a:defRPr sz="900"/>
+            </a:lvl8pPr>
+            <a:lvl9pPr marL="3657600" indent="0">
+              <a:buNone/>
+              <a:defRPr sz="900"/>
+            </a:lvl9pPr>
+          </a:lstStyle>
+          <a:p>
+            <a:pPr lvl="0" rtl="0"/>
+            <a:r>
+              <a:rPr lang="pt-BR" noProof="0"/>
+              <a:t>Clique para editar os estilos de texto Mestres</a:t>
+            </a:r>
+          </a:p>
+        </p:txBody>
+      </p:sp>
+      <p:sp>
+        <p:nvSpPr>
+          <p:cNvPr id="5" name="Espaço Reservado para Data 4"/>
+          <p:cNvSpPr>
+            <a:spLocks noGrp="1"/>
+          </p:cNvSpPr>
+          <p:nvPr>
+            <p:ph type="dt" sz="half" idx="10"/>
+          </p:nvPr>
+        </p:nvSpPr>
+        <p:spPr/>
+        <p:txBody>
+          <a:bodyPr rtlCol="0"/>
+          <a:lstStyle/>
+          <a:p>
+            <a:pPr rtl="0"/>
+            <a:fld id="{685EFD07-A8B9-401F-868B-7649A9F826C1}" type="datetime1">
+              <a:rPr lang="pt-BR" noProof="0" smtClean="0"/>
+              <a:t>18/08/2023</a:t>
+            </a:fld>
+            <a:endParaRPr lang="pt-BR" noProof="0" dirty="0"/>
+          </a:p>
+        </p:txBody>
+      </p:sp>
+      <p:sp>
+        <p:nvSpPr>
+          <p:cNvPr id="6" name="Espaço Reservado para Rodapé 5"/>
+          <p:cNvSpPr>
+            <a:spLocks noGrp="1"/>
+          </p:cNvSpPr>
+          <p:nvPr>
+            <p:ph type="ftr" sz="quarter" idx="11"/>
+          </p:nvPr>
+        </p:nvSpPr>
+        <p:spPr/>
+        <p:txBody>
+          <a:bodyPr rtlCol="0"/>
+          <a:lstStyle/>
+          <a:p>
+            <a:pPr algn="l" rtl="0"/>
+            <a:endParaRPr lang="pt-BR" noProof="0" dirty="0"/>
+          </a:p>
+        </p:txBody>
+      </p:sp>
+      <p:sp>
+        <p:nvSpPr>
+          <p:cNvPr id="7" name="Espaço Reservado para o Número do Slide 6"/>
+          <p:cNvSpPr>
+            <a:spLocks noGrp="1"/>
+          </p:cNvSpPr>
+          <p:nvPr>
+            <p:ph type="sldNum" sz="quarter" idx="12"/>
+          </p:nvPr>
+        </p:nvSpPr>
+        <p:spPr/>
+        <p:txBody>
+          <a:bodyPr rtlCol="0"/>
+          <a:lstStyle/>
+          <a:p>
+            <a:pPr rtl="0"/>
+            <a:fld id="{3A98EE3D-8CD1-4C3F-BD1C-C98C9596463C}" type="slidenum">
+              <a:rPr lang="pt-BR" noProof="0" smtClean="0"/>
+              <a:t>‹nº›</a:t>
+            </a:fld>
+            <a:endParaRPr lang="pt-BR" noProof="0" dirty="0"/>
+          </a:p>
+        </p:txBody>
+      </p:sp>
+    </p:spTree>
+    <p:extLst>
+      <p:ext uri="{BB962C8B-B14F-4D97-AF65-F5344CB8AC3E}">
+        <p14:creationId xmlns:p14="http://schemas.microsoft.com/office/powerpoint/2010/main" val="53056785"/>
+      </p:ext>
+    </p:extLst>
+  </p:cSld>
+  <p:clrMapOvr>
+    <a:masterClrMapping/>
+  </p:clrMapOvr>
+</p:sldLayout>
+</file>
+
+<file path=ppt/slideLayouts/slideLayout11.xml><?xml version="1.0" encoding="utf-8"?>
 <p:sldLayout xmlns:a="http://schemas.openxmlformats.org/drawingml/2006/main" xmlns:r="http://schemas.openxmlformats.org/officeDocument/2006/relationships" xmlns:p="http://schemas.openxmlformats.org/presentationml/2006/main" preserve="1">
   <p:cSld name="Imagem Panorâmica com Legenda">
     <p:spTree>
@@ -1400,7 +1719,7 @@
             <a:pPr rtl="0"/>
             <a:fld id="{EC8ECD64-5AF2-4F32-AD18-136C465DC047}" type="datetime1">
               <a:rPr lang="pt-BR" noProof="0" smtClean="0"/>
-              <a:t>21/07/2023</a:t>
+              <a:t>18/08/2023</a:t>
             </a:fld>
             <a:endParaRPr lang="pt-BR" noProof="0" dirty="0"/>
           </a:p>
@@ -1463,7 +1782,7 @@
 </p:sldLayout>
 </file>
 
-<file path=ppt/slideLayouts/slideLayout11.xml><?xml version="1.0" encoding="utf-8"?>
+<file path=ppt/slideLayouts/slideLayout12.xml><?xml version="1.0" encoding="utf-8"?>
 <p:sldLayout xmlns:a="http://schemas.openxmlformats.org/drawingml/2006/main" xmlns:r="http://schemas.openxmlformats.org/officeDocument/2006/relationships" xmlns:p="http://schemas.openxmlformats.org/presentationml/2006/main" preserve="1">
   <p:cSld name="Título e Legenda">
     <p:spTree>
@@ -1598,7 +1917,7 @@
             <a:pPr rtl="0"/>
             <a:fld id="{83F6B3D0-4304-407F-B819-80FF4D568789}" type="datetime1">
               <a:rPr lang="pt-BR" noProof="0" smtClean="0"/>
-              <a:t>21/07/2023</a:t>
+              <a:t>18/08/2023</a:t>
             </a:fld>
             <a:endParaRPr lang="pt-BR" noProof="0" dirty="0"/>
           </a:p>
@@ -1661,7 +1980,7 @@
 </p:sldLayout>
 </file>
 
-<file path=ppt/slideLayouts/slideLayout12.xml><?xml version="1.0" encoding="utf-8"?>
+<file path=ppt/slideLayouts/slideLayout13.xml><?xml version="1.0" encoding="utf-8"?>
 <p:sldLayout xmlns:a="http://schemas.openxmlformats.org/drawingml/2006/main" xmlns:r="http://schemas.openxmlformats.org/officeDocument/2006/relationships" xmlns:p="http://schemas.openxmlformats.org/presentationml/2006/main" preserve="1">
   <p:cSld name="Citação com Legenda">
     <p:spTree>
@@ -1865,7 +2184,7 @@
             <a:pPr rtl="0"/>
             <a:fld id="{16F363FB-ECEA-4A76-B765-85460030C156}" type="datetime1">
               <a:rPr lang="pt-BR" noProof="0" smtClean="0"/>
-              <a:t>21/07/2023</a:t>
+              <a:t>18/08/2023</a:t>
             </a:fld>
             <a:endParaRPr lang="pt-BR" noProof="0" dirty="0"/>
           </a:p>
@@ -2172,7 +2491,7 @@
 </p:sldLayout>
 </file>
 
-<file path=ppt/slideLayouts/slideLayout13.xml><?xml version="1.0" encoding="utf-8"?>
+<file path=ppt/slideLayouts/slideLayout14.xml><?xml version="1.0" encoding="utf-8"?>
 <p:sldLayout xmlns:a="http://schemas.openxmlformats.org/drawingml/2006/main" xmlns:r="http://schemas.openxmlformats.org/officeDocument/2006/relationships" xmlns:p="http://schemas.openxmlformats.org/presentationml/2006/main" preserve="1">
   <p:cSld name="Cartão de Nome">
     <p:spTree>
@@ -2305,7 +2624,7 @@
             <a:pPr rtl="0"/>
             <a:fld id="{EF319CEA-9EF4-4A65-A004-44DCCF154232}" type="datetime1">
               <a:rPr lang="pt-BR" noProof="0" smtClean="0"/>
-              <a:t>21/07/2023</a:t>
+              <a:t>18/08/2023</a:t>
             </a:fld>
             <a:endParaRPr lang="pt-BR" noProof="0" dirty="0"/>
           </a:p>
@@ -2368,7 +2687,7 @@
 </p:sldLayout>
 </file>
 
-<file path=ppt/slideLayouts/slideLayout14.xml><?xml version="1.0" encoding="utf-8"?>
+<file path=ppt/slideLayouts/slideLayout15.xml><?xml version="1.0" encoding="utf-8"?>
 <p:sldLayout xmlns:a="http://schemas.openxmlformats.org/drawingml/2006/main" xmlns:r="http://schemas.openxmlformats.org/officeDocument/2006/relationships" xmlns:p="http://schemas.openxmlformats.org/presentationml/2006/main" preserve="1">
   <p:cSld name="Coluna 3">
     <p:spTree>
@@ -2846,7 +3165,7 @@
             <a:pPr rtl="0"/>
             <a:fld id="{1591AA47-C612-4DA8-B151-4B748B7DAC4D}" type="datetime1">
               <a:rPr lang="pt-BR" noProof="0" smtClean="0"/>
-              <a:t>21/07/2023</a:t>
+              <a:t>18/08/2023</a:t>
             </a:fld>
             <a:endParaRPr lang="pt-BR" noProof="0" dirty="0"/>
           </a:p>
@@ -2909,7 +3228,7 @@
 </p:sldLayout>
 </file>
 
-<file path=ppt/slideLayouts/slideLayout15.xml><?xml version="1.0" encoding="utf-8"?>
+<file path=ppt/slideLayouts/slideLayout16.xml><?xml version="1.0" encoding="utf-8"?>
 <p:sldLayout xmlns:a="http://schemas.openxmlformats.org/drawingml/2006/main" xmlns:r="http://schemas.openxmlformats.org/officeDocument/2006/relationships" xmlns:p="http://schemas.openxmlformats.org/presentationml/2006/main" preserve="1">
   <p:cSld name="Coluna de 3 Imagens">
     <p:spTree>
@@ -3735,7 +4054,7 @@
             <a:pPr rtl="0"/>
             <a:fld id="{DC27F2B2-02FF-4D65-8FE7-F6AE0D863843}" type="datetime1">
               <a:rPr lang="pt-BR" noProof="0" smtClean="0"/>
-              <a:t>21/07/2023</a:t>
+              <a:t>18/08/2023</a:t>
             </a:fld>
             <a:endParaRPr lang="pt-BR" noProof="0" dirty="0"/>
           </a:p>
@@ -3914,7 +4233,7 @@
             <a:pPr rtl="0"/>
             <a:fld id="{31A070AB-0B0E-4B2D-804F-566417906A61}" type="datetime1">
               <a:rPr lang="pt-BR" noProof="0" smtClean="0"/>
-              <a:t>21/07/2023</a:t>
+              <a:t>18/08/2023</a:t>
             </a:fld>
             <a:endParaRPr lang="pt-BR" noProof="0" dirty="0"/>
           </a:p>
@@ -4162,7 +4481,7 @@
             <a:pPr rtl="0"/>
             <a:fld id="{028BC9E8-30A4-4EE6-BB83-B04327D9020A}" type="datetime1">
               <a:rPr lang="pt-BR" noProof="0" smtClean="0"/>
-              <a:t>21/07/2023</a:t>
+              <a:t>18/08/2023</a:t>
             </a:fld>
             <a:endParaRPr lang="pt-BR" noProof="0" dirty="0"/>
           </a:p>
@@ -4407,7 +4726,7 @@
             <a:pPr rtl="0"/>
             <a:fld id="{6D2B272B-E9E3-4682-90D8-4B44853FAF6D}" type="datetime1">
               <a:rPr lang="pt-BR" noProof="0" smtClean="0"/>
-              <a:t>21/07/2023</a:t>
+              <a:t>18/08/2023</a:t>
             </a:fld>
             <a:endParaRPr lang="pt-BR" noProof="0" dirty="0"/>
           </a:p>
@@ -4894,7 +5213,7 @@
             <a:pPr rtl="0"/>
             <a:fld id="{0655272F-B51B-4957-97B0-074D18FB99AD}" type="datetime1">
               <a:rPr lang="pt-BR" noProof="0" smtClean="0"/>
-              <a:t>21/07/2023</a:t>
+              <a:t>18/08/2023</a:t>
             </a:fld>
             <a:endParaRPr lang="pt-BR" noProof="0" dirty="0"/>
           </a:p>
@@ -4958,7 +5277,7 @@
 </file>
 
 <file path=ppt/slideLayouts/slideLayout6.xml><?xml version="1.0" encoding="utf-8"?>
-<p:sldLayout xmlns:a="http://schemas.openxmlformats.org/drawingml/2006/main" xmlns:r="http://schemas.openxmlformats.org/officeDocument/2006/relationships" xmlns:p="http://schemas.openxmlformats.org/presentationml/2006/main" type="titleOnly" preserve="1">
+<p:sldLayout xmlns:a="http://schemas.openxmlformats.org/drawingml/2006/main" xmlns:r="http://schemas.openxmlformats.org/officeDocument/2006/relationships" xmlns:p="http://schemas.openxmlformats.org/presentationml/2006/main" preserve="1" userDrawn="1">
   <p:cSld name="Somente título">
     <p:spTree>
       <p:nvGrpSpPr>
@@ -4996,10 +5315,9 @@
           <a:p>
             <a:pPr rtl="0"/>
             <a:r>
-              <a:rPr lang="pt-BR" noProof="0"/>
+              <a:rPr lang="pt-BR" noProof="0" dirty="0"/>
               <a:t>Clique para editar o título Mestre</a:t>
             </a:r>
-            <a:endParaRPr lang="pt-BR" noProof="0" dirty="0"/>
           </a:p>
         </p:txBody>
       </p:sp>
@@ -5021,7 +5339,7 @@
             <a:pPr rtl="0"/>
             <a:fld id="{C1056502-BDB4-46EE-9217-C5A23E5BE0CE}" type="datetime1">
               <a:rPr lang="pt-BR" noProof="0" smtClean="0"/>
-              <a:t>21/07/2023</a:t>
+              <a:t>18/08/2023</a:t>
             </a:fld>
             <a:endParaRPr lang="pt-BR" noProof="0" dirty="0"/>
           </a:p>
@@ -5068,6 +5386,79 @@
               <a:t>‹nº›</a:t>
             </a:fld>
             <a:endParaRPr lang="pt-BR" noProof="0" dirty="0"/>
+          </a:p>
+        </p:txBody>
+      </p:sp>
+      <p:sp>
+        <p:nvSpPr>
+          <p:cNvPr id="9" name="Espaço reservado para texto 3">
+            <a:extLst>
+              <a:ext uri="{FF2B5EF4-FFF2-40B4-BE49-F238E27FC236}">
+                <a16:creationId xmlns:a16="http://schemas.microsoft.com/office/drawing/2014/main" id="{1023FCB4-FE13-188C-484B-36A6E88494EC}"/>
+              </a:ext>
+            </a:extLst>
+          </p:cNvPr>
+          <p:cNvSpPr>
+            <a:spLocks noGrp="1"/>
+          </p:cNvSpPr>
+          <p:nvPr>
+            <p:ph type="body" sz="half" idx="2"/>
+          </p:nvPr>
+        </p:nvSpPr>
+        <p:spPr>
+          <a:xfrm>
+            <a:off x="685347" y="1676524"/>
+            <a:ext cx="7765321" cy="3135695"/>
+          </a:xfrm>
+        </p:spPr>
+        <p:txBody>
+          <a:bodyPr rtlCol="0" anchor="t">
+            <a:normAutofit/>
+          </a:bodyPr>
+          <a:lstStyle>
+            <a:lvl1pPr marL="0" indent="0" algn="ctr">
+              <a:buNone/>
+              <a:defRPr sz="1600"/>
+            </a:lvl1pPr>
+            <a:lvl2pPr marL="457200" indent="0">
+              <a:buNone/>
+              <a:defRPr sz="1200"/>
+            </a:lvl2pPr>
+            <a:lvl3pPr marL="914400" indent="0">
+              <a:buNone/>
+              <a:defRPr sz="1000"/>
+            </a:lvl3pPr>
+            <a:lvl4pPr marL="1371600" indent="0">
+              <a:buNone/>
+              <a:defRPr sz="900"/>
+            </a:lvl4pPr>
+            <a:lvl5pPr marL="1828800" indent="0">
+              <a:buNone/>
+              <a:defRPr sz="900"/>
+            </a:lvl5pPr>
+            <a:lvl6pPr marL="2286000" indent="0">
+              <a:buNone/>
+              <a:defRPr sz="900"/>
+            </a:lvl6pPr>
+            <a:lvl7pPr marL="2743200" indent="0">
+              <a:buNone/>
+              <a:defRPr sz="900"/>
+            </a:lvl7pPr>
+            <a:lvl8pPr marL="3200400" indent="0">
+              <a:buNone/>
+              <a:defRPr sz="900"/>
+            </a:lvl8pPr>
+            <a:lvl9pPr marL="3657600" indent="0">
+              <a:buNone/>
+              <a:defRPr sz="900"/>
+            </a:lvl9pPr>
+          </a:lstStyle>
+          <a:p>
+            <a:pPr lvl="0" rtl="0"/>
+            <a:r>
+              <a:rPr lang="pt-BR" noProof="0"/>
+              <a:t>Clique para editar os estilos de texto Mestres</a:t>
+            </a:r>
           </a:p>
         </p:txBody>
       </p:sp>
@@ -5119,7 +5510,7 @@
             <a:pPr rtl="0"/>
             <a:fld id="{05E6A84A-F340-402E-97D3-C59F51FBE66F}" type="datetime1">
               <a:rPr lang="pt-BR" noProof="0" smtClean="0"/>
-              <a:t>21/07/2023</a:t>
+              <a:t>18/08/2023</a:t>
             </a:fld>
             <a:endParaRPr lang="pt-BR" noProof="0" dirty="0"/>
           </a:p>
@@ -5166,6 +5557,38 @@
               <a:t>‹nº›</a:t>
             </a:fld>
             <a:endParaRPr lang="pt-BR" noProof="0" dirty="0"/>
+          </a:p>
+        </p:txBody>
+      </p:sp>
+      <p:sp>
+        <p:nvSpPr>
+          <p:cNvPr id="5" name="CaixaDeTexto 4">
+            <a:extLst>
+              <a:ext uri="{FF2B5EF4-FFF2-40B4-BE49-F238E27FC236}">
+                <a16:creationId xmlns:a16="http://schemas.microsoft.com/office/drawing/2014/main" id="{96F3B01D-3FDF-0A8B-C15B-C55E92A6327C}"/>
+              </a:ext>
+            </a:extLst>
+          </p:cNvPr>
+          <p:cNvSpPr txBox="1"/>
+          <p:nvPr userDrawn="1"/>
+        </p:nvSpPr>
+        <p:spPr>
+          <a:xfrm>
+            <a:off x="213064" y="1740023"/>
+            <a:ext cx="8469297" cy="3595457"/>
+          </a:xfrm>
+          <a:prstGeom prst="rect">
+            <a:avLst/>
+          </a:prstGeom>
+          <a:noFill/>
+        </p:spPr>
+        <p:txBody>
+          <a:bodyPr wrap="square" rtlCol="0">
+            <a:spAutoFit/>
+          </a:bodyPr>
+          <a:lstStyle/>
+          <a:p>
+            <a:endParaRPr lang="pt-BR" dirty="0"/>
           </a:p>
         </p:txBody>
       </p:sp>
@@ -5183,6 +5606,223 @@
 </file>
 
 <file path=ppt/slideLayouts/slideLayout8.xml><?xml version="1.0" encoding="utf-8"?>
+<p:sldLayout xmlns:a="http://schemas.openxmlformats.org/drawingml/2006/main" xmlns:r="http://schemas.openxmlformats.org/officeDocument/2006/relationships" xmlns:p="http://schemas.openxmlformats.org/presentationml/2006/main" preserve="1" userDrawn="1">
+  <p:cSld name="Layout Personalizado">
+    <p:spTree>
+      <p:nvGrpSpPr>
+        <p:cNvPr id="1" name=""/>
+        <p:cNvGrpSpPr/>
+        <p:nvPr/>
+      </p:nvGrpSpPr>
+      <p:grpSpPr>
+        <a:xfrm>
+          <a:off x="0" y="0"/>
+          <a:ext cx="0" cy="0"/>
+          <a:chOff x="0" y="0"/>
+          <a:chExt cx="0" cy="0"/>
+        </a:xfrm>
+      </p:grpSpPr>
+      <p:sp>
+        <p:nvSpPr>
+          <p:cNvPr id="2" name="Título 1">
+            <a:extLst>
+              <a:ext uri="{FF2B5EF4-FFF2-40B4-BE49-F238E27FC236}">
+                <a16:creationId xmlns:a16="http://schemas.microsoft.com/office/drawing/2014/main" id="{61EFEE87-EE13-8EFD-7506-F32B68FB8770}"/>
+              </a:ext>
+            </a:extLst>
+          </p:cNvPr>
+          <p:cNvSpPr>
+            <a:spLocks noGrp="1"/>
+          </p:cNvSpPr>
+          <p:nvPr>
+            <p:ph type="title"/>
+          </p:nvPr>
+        </p:nvSpPr>
+        <p:spPr/>
+        <p:txBody>
+          <a:bodyPr/>
+          <a:lstStyle/>
+          <a:p>
+            <a:r>
+              <a:rPr lang="pt-BR"/>
+              <a:t>Clique para editar o título Mestre</a:t>
+            </a:r>
+          </a:p>
+        </p:txBody>
+      </p:sp>
+      <p:sp>
+        <p:nvSpPr>
+          <p:cNvPr id="3" name="Espaço Reservado para Data 2">
+            <a:extLst>
+              <a:ext uri="{FF2B5EF4-FFF2-40B4-BE49-F238E27FC236}">
+                <a16:creationId xmlns:a16="http://schemas.microsoft.com/office/drawing/2014/main" id="{0677CFFD-7049-505D-7603-E0F1C5B98857}"/>
+              </a:ext>
+            </a:extLst>
+          </p:cNvPr>
+          <p:cNvSpPr>
+            <a:spLocks noGrp="1"/>
+          </p:cNvSpPr>
+          <p:nvPr>
+            <p:ph type="dt" sz="half" idx="10"/>
+          </p:nvPr>
+        </p:nvSpPr>
+        <p:spPr/>
+        <p:txBody>
+          <a:bodyPr/>
+          <a:lstStyle/>
+          <a:p>
+            <a:pPr rtl="0"/>
+            <a:fld id="{76D0790B-18CF-4284-B479-4F95A66DEDDE}" type="datetime1">
+              <a:rPr lang="pt-BR" noProof="0" smtClean="0"/>
+              <a:t>18/08/2023</a:t>
+            </a:fld>
+            <a:endParaRPr lang="pt-BR" noProof="0" dirty="0"/>
+          </a:p>
+        </p:txBody>
+      </p:sp>
+      <p:sp>
+        <p:nvSpPr>
+          <p:cNvPr id="4" name="Espaço Reservado para Rodapé 3">
+            <a:extLst>
+              <a:ext uri="{FF2B5EF4-FFF2-40B4-BE49-F238E27FC236}">
+                <a16:creationId xmlns:a16="http://schemas.microsoft.com/office/drawing/2014/main" id="{68089687-E365-3B8D-F02B-D44EF6E226F1}"/>
+              </a:ext>
+            </a:extLst>
+          </p:cNvPr>
+          <p:cNvSpPr>
+            <a:spLocks noGrp="1"/>
+          </p:cNvSpPr>
+          <p:nvPr>
+            <p:ph type="ftr" sz="quarter" idx="11"/>
+          </p:nvPr>
+        </p:nvSpPr>
+        <p:spPr/>
+        <p:txBody>
+          <a:bodyPr/>
+          <a:lstStyle/>
+          <a:p>
+            <a:pPr rtl="0"/>
+            <a:endParaRPr lang="pt-BR" noProof="0" dirty="0"/>
+          </a:p>
+        </p:txBody>
+      </p:sp>
+      <p:sp>
+        <p:nvSpPr>
+          <p:cNvPr id="5" name="Espaço Reservado para Número de Slide 4">
+            <a:extLst>
+              <a:ext uri="{FF2B5EF4-FFF2-40B4-BE49-F238E27FC236}">
+                <a16:creationId xmlns:a16="http://schemas.microsoft.com/office/drawing/2014/main" id="{6DD16B8A-EF79-A47A-424F-2C7E141FD098}"/>
+              </a:ext>
+            </a:extLst>
+          </p:cNvPr>
+          <p:cNvSpPr>
+            <a:spLocks noGrp="1"/>
+          </p:cNvSpPr>
+          <p:nvPr>
+            <p:ph type="sldNum" sz="quarter" idx="12"/>
+          </p:nvPr>
+        </p:nvSpPr>
+        <p:spPr/>
+        <p:txBody>
+          <a:bodyPr/>
+          <a:lstStyle/>
+          <a:p>
+            <a:pPr rtl="0"/>
+            <a:fld id="{3A98EE3D-8CD1-4C3F-BD1C-C98C9596463C}" type="slidenum">
+              <a:rPr lang="pt-BR" noProof="0" smtClean="0"/>
+              <a:t>‹nº›</a:t>
+            </a:fld>
+            <a:endParaRPr lang="pt-BR" noProof="0" dirty="0"/>
+          </a:p>
+        </p:txBody>
+      </p:sp>
+      <p:sp>
+        <p:nvSpPr>
+          <p:cNvPr id="6" name="Espaço reservado para texto 3">
+            <a:extLst>
+              <a:ext uri="{FF2B5EF4-FFF2-40B4-BE49-F238E27FC236}">
+                <a16:creationId xmlns:a16="http://schemas.microsoft.com/office/drawing/2014/main" id="{D8077090-069A-06C6-8F73-91162DBDCB05}"/>
+              </a:ext>
+            </a:extLst>
+          </p:cNvPr>
+          <p:cNvSpPr>
+            <a:spLocks noGrp="1"/>
+          </p:cNvSpPr>
+          <p:nvPr>
+            <p:ph type="body" sz="half" idx="2"/>
+          </p:nvPr>
+        </p:nvSpPr>
+        <p:spPr>
+          <a:xfrm>
+            <a:off x="750166" y="2182550"/>
+            <a:ext cx="7700502" cy="3135695"/>
+          </a:xfrm>
+        </p:spPr>
+        <p:txBody>
+          <a:bodyPr rtlCol="0" anchor="t">
+            <a:normAutofit/>
+          </a:bodyPr>
+          <a:lstStyle>
+            <a:lvl1pPr marL="0" indent="0" algn="ctr">
+              <a:buNone/>
+              <a:defRPr sz="1600"/>
+            </a:lvl1pPr>
+            <a:lvl2pPr marL="457200" indent="0">
+              <a:buNone/>
+              <a:defRPr sz="1200"/>
+            </a:lvl2pPr>
+            <a:lvl3pPr marL="914400" indent="0">
+              <a:buNone/>
+              <a:defRPr sz="1000"/>
+            </a:lvl3pPr>
+            <a:lvl4pPr marL="1371600" indent="0">
+              <a:buNone/>
+              <a:defRPr sz="900"/>
+            </a:lvl4pPr>
+            <a:lvl5pPr marL="1828800" indent="0">
+              <a:buNone/>
+              <a:defRPr sz="900"/>
+            </a:lvl5pPr>
+            <a:lvl6pPr marL="2286000" indent="0">
+              <a:buNone/>
+              <a:defRPr sz="900"/>
+            </a:lvl6pPr>
+            <a:lvl7pPr marL="2743200" indent="0">
+              <a:buNone/>
+              <a:defRPr sz="900"/>
+            </a:lvl7pPr>
+            <a:lvl8pPr marL="3200400" indent="0">
+              <a:buNone/>
+              <a:defRPr sz="900"/>
+            </a:lvl8pPr>
+            <a:lvl9pPr marL="3657600" indent="0">
+              <a:buNone/>
+              <a:defRPr sz="900"/>
+            </a:lvl9pPr>
+          </a:lstStyle>
+          <a:p>
+            <a:pPr lvl="0" rtl="0"/>
+            <a:r>
+              <a:rPr lang="pt-BR" noProof="0"/>
+              <a:t>Clique para editar os estilos de texto Mestres</a:t>
+            </a:r>
+          </a:p>
+        </p:txBody>
+      </p:sp>
+    </p:spTree>
+    <p:extLst>
+      <p:ext uri="{BB962C8B-B14F-4D97-AF65-F5344CB8AC3E}">
+        <p14:creationId xmlns:p14="http://schemas.microsoft.com/office/powerpoint/2010/main" val="1760369443"/>
+      </p:ext>
+    </p:extLst>
+  </p:cSld>
+  <p:clrMapOvr>
+    <a:masterClrMapping/>
+  </p:clrMapOvr>
+</p:sldLayout>
+</file>
+
+<file path=ppt/slideLayouts/slideLayout9.xml><?xml version="1.0" encoding="utf-8"?>
 <p:sldLayout xmlns:a="http://schemas.openxmlformats.org/drawingml/2006/main" xmlns:r="http://schemas.openxmlformats.org/officeDocument/2006/relationships" xmlns:p="http://schemas.openxmlformats.org/presentationml/2006/main" type="objTx" preserve="1">
   <p:cSld name="Conteúdo com Legenda">
     <p:spTree>
@@ -5378,7 +6018,7 @@
             <a:pPr rtl="0"/>
             <a:fld id="{50C5BF86-AA12-49E0-AC44-8E2B1E4B1B72}" type="datetime1">
               <a:rPr lang="pt-BR" noProof="0" smtClean="0"/>
-              <a:t>21/07/2023</a:t>
+              <a:t>18/08/2023</a:t>
             </a:fld>
             <a:endParaRPr lang="pt-BR" noProof="0" dirty="0"/>
           </a:p>
@@ -5433,317 +6073,6 @@
     <p:extLst>
       <p:ext uri="{BB962C8B-B14F-4D97-AF65-F5344CB8AC3E}">
         <p14:creationId xmlns:p14="http://schemas.microsoft.com/office/powerpoint/2010/main" val="793556953"/>
-      </p:ext>
-    </p:extLst>
-  </p:cSld>
-  <p:clrMapOvr>
-    <a:masterClrMapping/>
-  </p:clrMapOvr>
-</p:sldLayout>
-</file>
-
-<file path=ppt/slideLayouts/slideLayout9.xml><?xml version="1.0" encoding="utf-8"?>
-<p:sldLayout xmlns:a="http://schemas.openxmlformats.org/drawingml/2006/main" xmlns:r="http://schemas.openxmlformats.org/officeDocument/2006/relationships" xmlns:p="http://schemas.openxmlformats.org/presentationml/2006/main" type="picTx" preserve="1">
-  <p:cSld name="Imagem com Legenda">
-    <p:spTree>
-      <p:nvGrpSpPr>
-        <p:cNvPr id="1" name=""/>
-        <p:cNvGrpSpPr/>
-        <p:nvPr/>
-      </p:nvGrpSpPr>
-      <p:grpSpPr>
-        <a:xfrm>
-          <a:off x="0" y="0"/>
-          <a:ext cx="0" cy="0"/>
-          <a:chOff x="0" y="0"/>
-          <a:chExt cx="0" cy="0"/>
-        </a:xfrm>
-      </p:grpSpPr>
-      <p:pic>
-        <p:nvPicPr>
-          <p:cNvPr id="22" name="Imagem 21" descr="Slate-V2-HD-vertPhotoInset.png">
-            <a:extLst>
-              <a:ext uri="{FF2B5EF4-FFF2-40B4-BE49-F238E27FC236}">
-                <a16:creationId xmlns:a16="http://schemas.microsoft.com/office/drawing/2014/main" id="{4D06E496-ACBA-4063-B4A1-C5C484EE5A77}"/>
-              </a:ext>
-            </a:extLst>
-          </p:cNvPr>
-          <p:cNvPicPr>
-            <a:picLocks noChangeAspect="1"/>
-          </p:cNvPicPr>
-          <p:nvPr/>
-        </p:nvPicPr>
-        <p:blipFill>
-          <a:blip r:embed="rId2">
-            <a:extLst>
-              <a:ext uri="{28A0092B-C50C-407E-A947-70E740481C1C}">
-                <a14:useLocalDpi xmlns:a14="http://schemas.microsoft.com/office/drawing/2010/main" val="0"/>
-              </a:ext>
-            </a:extLst>
-          </a:blip>
-          <a:stretch>
-            <a:fillRect/>
-          </a:stretch>
-        </p:blipFill>
-        <p:spPr>
-          <a:xfrm>
-            <a:off x="5470249" y="609600"/>
-            <a:ext cx="2688125" cy="5204832"/>
-          </a:xfrm>
-          <a:prstGeom prst="rect">
-            <a:avLst/>
-          </a:prstGeom>
-        </p:spPr>
-      </p:pic>
-      <p:sp>
-        <p:nvSpPr>
-          <p:cNvPr id="2" name="Título 1"/>
-          <p:cNvSpPr>
-            <a:spLocks noGrp="1"/>
-          </p:cNvSpPr>
-          <p:nvPr>
-            <p:ph type="title"/>
-          </p:nvPr>
-        </p:nvSpPr>
-        <p:spPr>
-          <a:xfrm>
-            <a:off x="685347" y="763702"/>
-            <a:ext cx="4280924" cy="1675559"/>
-          </a:xfrm>
-        </p:spPr>
-        <p:txBody>
-          <a:bodyPr rtlCol="0" anchor="b">
-            <a:noAutofit/>
-          </a:bodyPr>
-          <a:lstStyle>
-            <a:lvl1pPr algn="ctr">
-              <a:defRPr sz="3200" b="0"/>
-            </a:lvl1pPr>
-          </a:lstStyle>
-          <a:p>
-            <a:pPr rtl="0"/>
-            <a:r>
-              <a:rPr lang="pt-BR" noProof="0"/>
-              <a:t>Clique para editar o título Mestre</a:t>
-            </a:r>
-            <a:endParaRPr lang="pt-BR" noProof="0" dirty="0"/>
-          </a:p>
-        </p:txBody>
-      </p:sp>
-      <p:sp>
-        <p:nvSpPr>
-          <p:cNvPr id="3" name="Espaço reservado para imagem 2"/>
-          <p:cNvSpPr>
-            <a:spLocks noGrp="1" noChangeAspect="1"/>
-          </p:cNvSpPr>
-          <p:nvPr>
-            <p:ph type="pic" idx="1"/>
-          </p:nvPr>
-        </p:nvSpPr>
-        <p:spPr>
-          <a:xfrm>
-            <a:off x="5581914" y="763702"/>
-            <a:ext cx="2456813" cy="4912822"/>
-          </a:xfrm>
-          <a:effectLst>
-            <a:outerShdw blurRad="38100" dist="25400" dir="4440000">
-              <a:srgbClr val="000000">
-                <a:alpha val="36000"/>
-              </a:srgbClr>
-            </a:outerShdw>
-          </a:effectLst>
-        </p:spPr>
-        <p:txBody>
-          <a:bodyPr rtlCol="0" anchor="t">
-            <a:normAutofit/>
-          </a:bodyPr>
-          <a:lstStyle>
-            <a:lvl1pPr marL="0" indent="0" algn="ctr">
-              <a:buNone/>
-              <a:defRPr sz="1600"/>
-            </a:lvl1pPr>
-            <a:lvl2pPr marL="457200" indent="0">
-              <a:buNone/>
-              <a:defRPr sz="1600"/>
-            </a:lvl2pPr>
-            <a:lvl3pPr marL="914400" indent="0">
-              <a:buNone/>
-              <a:defRPr sz="1600"/>
-            </a:lvl3pPr>
-            <a:lvl4pPr marL="1371600" indent="0">
-              <a:buNone/>
-              <a:defRPr sz="1600"/>
-            </a:lvl4pPr>
-            <a:lvl5pPr marL="1828800" indent="0">
-              <a:buNone/>
-              <a:defRPr sz="1600"/>
-            </a:lvl5pPr>
-            <a:lvl6pPr marL="2286000" indent="0">
-              <a:buNone/>
-              <a:defRPr sz="1600"/>
-            </a:lvl6pPr>
-            <a:lvl7pPr marL="2743200" indent="0">
-              <a:buNone/>
-              <a:defRPr sz="1600"/>
-            </a:lvl7pPr>
-            <a:lvl8pPr marL="3200400" indent="0">
-              <a:buNone/>
-              <a:defRPr sz="1600"/>
-            </a:lvl8pPr>
-            <a:lvl9pPr marL="3657600" indent="0">
-              <a:buNone/>
-              <a:defRPr sz="1600"/>
-            </a:lvl9pPr>
-          </a:lstStyle>
-          <a:p>
-            <a:pPr rtl="0"/>
-            <a:r>
-              <a:rPr lang="pt-BR" noProof="0"/>
-              <a:t>Clique no ícone para adicionar uma imagem</a:t>
-            </a:r>
-            <a:endParaRPr lang="pt-BR" noProof="0" dirty="0"/>
-          </a:p>
-        </p:txBody>
-      </p:sp>
-      <p:sp>
-        <p:nvSpPr>
-          <p:cNvPr id="4" name="Espaço reservado para texto 3"/>
-          <p:cNvSpPr>
-            <a:spLocks noGrp="1"/>
-          </p:cNvSpPr>
-          <p:nvPr>
-            <p:ph type="body" sz="half" idx="2"/>
-          </p:nvPr>
-        </p:nvSpPr>
-        <p:spPr>
-          <a:xfrm>
-            <a:off x="1105273" y="2679700"/>
-            <a:ext cx="3441071" cy="3135695"/>
-          </a:xfrm>
-        </p:spPr>
-        <p:txBody>
-          <a:bodyPr rtlCol="0" anchor="t">
-            <a:normAutofit/>
-          </a:bodyPr>
-          <a:lstStyle>
-            <a:lvl1pPr marL="0" indent="0" algn="ctr">
-              <a:buNone/>
-              <a:defRPr sz="1600"/>
-            </a:lvl1pPr>
-            <a:lvl2pPr marL="457200" indent="0">
-              <a:buNone/>
-              <a:defRPr sz="1200"/>
-            </a:lvl2pPr>
-            <a:lvl3pPr marL="914400" indent="0">
-              <a:buNone/>
-              <a:defRPr sz="1000"/>
-            </a:lvl3pPr>
-            <a:lvl4pPr marL="1371600" indent="0">
-              <a:buNone/>
-              <a:defRPr sz="900"/>
-            </a:lvl4pPr>
-            <a:lvl5pPr marL="1828800" indent="0">
-              <a:buNone/>
-              <a:defRPr sz="900"/>
-            </a:lvl5pPr>
-            <a:lvl6pPr marL="2286000" indent="0">
-              <a:buNone/>
-              <a:defRPr sz="900"/>
-            </a:lvl6pPr>
-            <a:lvl7pPr marL="2743200" indent="0">
-              <a:buNone/>
-              <a:defRPr sz="900"/>
-            </a:lvl7pPr>
-            <a:lvl8pPr marL="3200400" indent="0">
-              <a:buNone/>
-              <a:defRPr sz="900"/>
-            </a:lvl8pPr>
-            <a:lvl9pPr marL="3657600" indent="0">
-              <a:buNone/>
-              <a:defRPr sz="900"/>
-            </a:lvl9pPr>
-          </a:lstStyle>
-          <a:p>
-            <a:pPr lvl="0" rtl="0"/>
-            <a:r>
-              <a:rPr lang="pt-BR" noProof="0"/>
-              <a:t>Clique para editar os estilos de texto Mestres</a:t>
-            </a:r>
-          </a:p>
-        </p:txBody>
-      </p:sp>
-      <p:sp>
-        <p:nvSpPr>
-          <p:cNvPr id="5" name="Espaço Reservado para Data 4"/>
-          <p:cNvSpPr>
-            <a:spLocks noGrp="1"/>
-          </p:cNvSpPr>
-          <p:nvPr>
-            <p:ph type="dt" sz="half" idx="10"/>
-          </p:nvPr>
-        </p:nvSpPr>
-        <p:spPr/>
-        <p:txBody>
-          <a:bodyPr rtlCol="0"/>
-          <a:lstStyle/>
-          <a:p>
-            <a:pPr rtl="0"/>
-            <a:fld id="{685EFD07-A8B9-401F-868B-7649A9F826C1}" type="datetime1">
-              <a:rPr lang="pt-BR" noProof="0" smtClean="0"/>
-              <a:t>21/07/2023</a:t>
-            </a:fld>
-            <a:endParaRPr lang="pt-BR" noProof="0" dirty="0"/>
-          </a:p>
-        </p:txBody>
-      </p:sp>
-      <p:sp>
-        <p:nvSpPr>
-          <p:cNvPr id="6" name="Espaço Reservado para Rodapé 5"/>
-          <p:cNvSpPr>
-            <a:spLocks noGrp="1"/>
-          </p:cNvSpPr>
-          <p:nvPr>
-            <p:ph type="ftr" sz="quarter" idx="11"/>
-          </p:nvPr>
-        </p:nvSpPr>
-        <p:spPr/>
-        <p:txBody>
-          <a:bodyPr rtlCol="0"/>
-          <a:lstStyle/>
-          <a:p>
-            <a:pPr algn="l" rtl="0"/>
-            <a:endParaRPr lang="pt-BR" noProof="0" dirty="0"/>
-          </a:p>
-        </p:txBody>
-      </p:sp>
-      <p:sp>
-        <p:nvSpPr>
-          <p:cNvPr id="7" name="Espaço Reservado para o Número do Slide 6"/>
-          <p:cNvSpPr>
-            <a:spLocks noGrp="1"/>
-          </p:cNvSpPr>
-          <p:nvPr>
-            <p:ph type="sldNum" sz="quarter" idx="12"/>
-          </p:nvPr>
-        </p:nvSpPr>
-        <p:spPr/>
-        <p:txBody>
-          <a:bodyPr rtlCol="0"/>
-          <a:lstStyle/>
-          <a:p>
-            <a:pPr rtl="0"/>
-            <a:fld id="{3A98EE3D-8CD1-4C3F-BD1C-C98C9596463C}" type="slidenum">
-              <a:rPr lang="pt-BR" noProof="0" smtClean="0"/>
-              <a:t>‹nº›</a:t>
-            </a:fld>
-            <a:endParaRPr lang="pt-BR" noProof="0" dirty="0"/>
-          </a:p>
-        </p:txBody>
-      </p:sp>
-    </p:spTree>
-    <p:extLst>
-      <p:ext uri="{BB962C8B-B14F-4D97-AF65-F5344CB8AC3E}">
-        <p14:creationId xmlns:p14="http://schemas.microsoft.com/office/powerpoint/2010/main" val="53056785"/>
       </p:ext>
     </p:extLst>
   </p:cSld>
@@ -5926,7 +6255,7 @@
             <a:pPr rtl="0"/>
             <a:fld id="{76D0790B-18CF-4284-B479-4F95A66DEDDE}" type="datetime1">
               <a:rPr lang="pt-BR" noProof="0" smtClean="0"/>
-              <a:t>21/07/2023</a:t>
+              <a:t>18/08/2023</a:t>
             </a:fld>
             <a:endParaRPr lang="pt-BR" noProof="0" dirty="0"/>
           </a:p>
@@ -6042,14 +6371,15 @@
     <p:sldLayoutId id="2147483665" r:id="rId5"/>
     <p:sldLayoutId id="2147483666" r:id="rId6"/>
     <p:sldLayoutId id="2147483667" r:id="rId7"/>
-    <p:sldLayoutId id="2147483668" r:id="rId8"/>
-    <p:sldLayoutId id="2147483669" r:id="rId9"/>
-    <p:sldLayoutId id="2147483670" r:id="rId10"/>
-    <p:sldLayoutId id="2147483671" r:id="rId11"/>
-    <p:sldLayoutId id="2147483672" r:id="rId12"/>
-    <p:sldLayoutId id="2147483673" r:id="rId13"/>
-    <p:sldLayoutId id="2147483674" r:id="rId14"/>
-    <p:sldLayoutId id="2147483675" r:id="rId15"/>
+    <p:sldLayoutId id="2147483676" r:id="rId8"/>
+    <p:sldLayoutId id="2147483668" r:id="rId9"/>
+    <p:sldLayoutId id="2147483669" r:id="rId10"/>
+    <p:sldLayoutId id="2147483670" r:id="rId11"/>
+    <p:sldLayoutId id="2147483671" r:id="rId12"/>
+    <p:sldLayoutId id="2147483672" r:id="rId13"/>
+    <p:sldLayoutId id="2147483673" r:id="rId14"/>
+    <p:sldLayoutId id="2147483674" r:id="rId15"/>
+    <p:sldLayoutId id="2147483675" r:id="rId16"/>
   </p:sldLayoutIdLst>
   <p:hf sldNum="0" hdr="0" ftr="0" dt="0"/>
   <p:txStyles>
@@ -6846,7 +7176,7 @@
           </a:effectLst>
           <a:extLst>
             <a:ext uri="{91240B29-F687-4f45-9708-019B960494DF}">
-              <a14:hiddenLine xmlns="" xmlns:a14="http://schemas.microsoft.com/office/drawing/2010/main" xmlns:a16="http://schemas.microsoft.com/office/drawing/2014/main" xmlns:p14="http://schemas.microsoft.com/office/powerpoint/2010/main" w="9525">
+              <a14:hiddenLine xmlns:p14="http://schemas.microsoft.com/office/powerpoint/2010/main" xmlns:a16="http://schemas.microsoft.com/office/drawing/2014/main" xmlns:a14="http://schemas.microsoft.com/office/drawing/2010/main" xmlns="" w="9525">
                 <a:solidFill>
                   <a:srgbClr val="000000"/>
                 </a:solidFill>
@@ -8717,6 +9047,1420 @@
     <p:extLst>
       <p:ext uri="{BB962C8B-B14F-4D97-AF65-F5344CB8AC3E}">
         <p14:creationId xmlns:p14="http://schemas.microsoft.com/office/powerpoint/2010/main" val="803574941"/>
+      </p:ext>
+    </p:extLst>
+  </p:cSld>
+  <p:clrMapOvr>
+    <a:masterClrMapping/>
+  </p:clrMapOvr>
+</p:sld>
+</file>
+
+<file path=ppt/slides/slide22.xml><?xml version="1.0" encoding="utf-8"?>
+<p:sld xmlns:a="http://schemas.openxmlformats.org/drawingml/2006/main" xmlns:r="http://schemas.openxmlformats.org/officeDocument/2006/relationships" xmlns:p="http://schemas.openxmlformats.org/presentationml/2006/main">
+  <p:cSld>
+    <p:spTree>
+      <p:nvGrpSpPr>
+        <p:cNvPr id="1" name=""/>
+        <p:cNvGrpSpPr/>
+        <p:nvPr/>
+      </p:nvGrpSpPr>
+      <p:grpSpPr>
+        <a:xfrm>
+          <a:off x="0" y="0"/>
+          <a:ext cx="0" cy="0"/>
+          <a:chOff x="0" y="0"/>
+          <a:chExt cx="0" cy="0"/>
+        </a:xfrm>
+      </p:grpSpPr>
+      <p:sp>
+        <p:nvSpPr>
+          <p:cNvPr id="2" name="Título 1">
+            <a:extLst>
+              <a:ext uri="{FF2B5EF4-FFF2-40B4-BE49-F238E27FC236}">
+                <a16:creationId xmlns:a16="http://schemas.microsoft.com/office/drawing/2014/main" id="{DD4B767A-1366-782A-2CBF-6C5CE6E402B4}"/>
+              </a:ext>
+            </a:extLst>
+          </p:cNvPr>
+          <p:cNvSpPr>
+            <a:spLocks noGrp="1"/>
+          </p:cNvSpPr>
+          <p:nvPr>
+            <p:ph type="title"/>
+          </p:nvPr>
+        </p:nvSpPr>
+        <p:spPr/>
+        <p:txBody>
+          <a:bodyPr/>
+          <a:lstStyle/>
+          <a:p>
+            <a:r>
+              <a:rPr lang="pt-BR" dirty="0"/>
+              <a:t>Mudanças</a:t>
+            </a:r>
+          </a:p>
+        </p:txBody>
+      </p:sp>
+      <p:sp>
+        <p:nvSpPr>
+          <p:cNvPr id="3" name="CaixaDeTexto 2">
+            <a:extLst>
+              <a:ext uri="{FF2B5EF4-FFF2-40B4-BE49-F238E27FC236}">
+                <a16:creationId xmlns:a16="http://schemas.microsoft.com/office/drawing/2014/main" id="{0AE4C05A-72E1-53F2-F6B1-0C433AC0C0EF}"/>
+              </a:ext>
+            </a:extLst>
+          </p:cNvPr>
+          <p:cNvSpPr txBox="1"/>
+          <p:nvPr/>
+        </p:nvSpPr>
+        <p:spPr>
+          <a:xfrm>
+            <a:off x="689339" y="2097741"/>
+            <a:ext cx="7092026" cy="1938992"/>
+          </a:xfrm>
+          <a:prstGeom prst="rect">
+            <a:avLst/>
+          </a:prstGeom>
+          <a:noFill/>
+        </p:spPr>
+        <p:txBody>
+          <a:bodyPr wrap="square" rtlCol="0">
+            <a:spAutoFit/>
+          </a:bodyPr>
+          <a:lstStyle/>
+          <a:p>
+            <a:pPr algn="ctr"/>
+            <a:r>
+              <a:rPr lang="pt-BR" sz="2800" b="0" i="0" dirty="0">
+                <a:solidFill>
+                  <a:srgbClr val="D1D5DB"/>
+                </a:solidFill>
+                <a:effectLst/>
+                <a:latin typeface="Söhne"/>
+              </a:rPr>
+              <a:t>“Não tenha receio de mudar algo que você avalia não estar dando os resultados desejados.”</a:t>
+            </a:r>
+          </a:p>
+          <a:p>
+            <a:endParaRPr lang="pt-BR" dirty="0">
+              <a:solidFill>
+                <a:srgbClr val="D1D5DB"/>
+              </a:solidFill>
+              <a:latin typeface="Söhne"/>
+            </a:endParaRPr>
+          </a:p>
+          <a:p>
+            <a:pPr algn="r"/>
+            <a:r>
+              <a:rPr lang="pt-BR" i="1" dirty="0">
+                <a:solidFill>
+                  <a:srgbClr val="D1D5DB"/>
+                </a:solidFill>
+                <a:latin typeface="Söhne"/>
+              </a:rPr>
+              <a:t>Leonardo Dorathoto</a:t>
+            </a:r>
+            <a:endParaRPr lang="pt-BR" i="1" dirty="0"/>
+          </a:p>
+        </p:txBody>
+      </p:sp>
+    </p:spTree>
+    <p:extLst>
+      <p:ext uri="{BB962C8B-B14F-4D97-AF65-F5344CB8AC3E}">
+        <p14:creationId xmlns:p14="http://schemas.microsoft.com/office/powerpoint/2010/main" val="3890122419"/>
+      </p:ext>
+    </p:extLst>
+  </p:cSld>
+  <p:clrMapOvr>
+    <a:masterClrMapping/>
+  </p:clrMapOvr>
+</p:sld>
+</file>
+
+<file path=ppt/slides/slide23.xml><?xml version="1.0" encoding="utf-8"?>
+<p:sld xmlns:a="http://schemas.openxmlformats.org/drawingml/2006/main" xmlns:r="http://schemas.openxmlformats.org/officeDocument/2006/relationships" xmlns:p="http://schemas.openxmlformats.org/presentationml/2006/main">
+  <p:cSld>
+    <p:spTree>
+      <p:nvGrpSpPr>
+        <p:cNvPr id="1" name=""/>
+        <p:cNvGrpSpPr/>
+        <p:nvPr/>
+      </p:nvGrpSpPr>
+      <p:grpSpPr>
+        <a:xfrm>
+          <a:off x="0" y="0"/>
+          <a:ext cx="0" cy="0"/>
+          <a:chOff x="0" y="0"/>
+          <a:chExt cx="0" cy="0"/>
+        </a:xfrm>
+      </p:grpSpPr>
+      <p:sp>
+        <p:nvSpPr>
+          <p:cNvPr id="2" name="Título 1">
+            <a:extLst>
+              <a:ext uri="{FF2B5EF4-FFF2-40B4-BE49-F238E27FC236}">
+                <a16:creationId xmlns:a16="http://schemas.microsoft.com/office/drawing/2014/main" id="{ABF3866C-D14F-16B6-781B-A182ABFA957F}"/>
+              </a:ext>
+            </a:extLst>
+          </p:cNvPr>
+          <p:cNvSpPr>
+            <a:spLocks noGrp="1"/>
+          </p:cNvSpPr>
+          <p:nvPr>
+            <p:ph type="title"/>
+          </p:nvPr>
+        </p:nvSpPr>
+        <p:spPr/>
+        <p:txBody>
+          <a:bodyPr/>
+          <a:lstStyle/>
+          <a:p>
+            <a:r>
+              <a:rPr lang="pt-BR" dirty="0"/>
+              <a:t>Por que?</a:t>
+            </a:r>
+          </a:p>
+        </p:txBody>
+      </p:sp>
+      <p:sp>
+        <p:nvSpPr>
+          <p:cNvPr id="3" name="Espaço Reservado para Texto 2">
+            <a:extLst>
+              <a:ext uri="{FF2B5EF4-FFF2-40B4-BE49-F238E27FC236}">
+                <a16:creationId xmlns:a16="http://schemas.microsoft.com/office/drawing/2014/main" id="{F46548CC-460C-472C-5CD0-65310BD2B051}"/>
+              </a:ext>
+            </a:extLst>
+          </p:cNvPr>
+          <p:cNvSpPr>
+            <a:spLocks noGrp="1"/>
+          </p:cNvSpPr>
+          <p:nvPr>
+            <p:ph type="body" sz="half" idx="2"/>
+          </p:nvPr>
+        </p:nvSpPr>
+        <p:spPr>
+          <a:xfrm>
+            <a:off x="555813" y="1676524"/>
+            <a:ext cx="8337176" cy="3135695"/>
+          </a:xfrm>
+        </p:spPr>
+        <p:txBody>
+          <a:bodyPr/>
+          <a:lstStyle/>
+          <a:p>
+            <a:pPr marL="285750" indent="-285750" algn="l">
+              <a:buFont typeface="Arial" panose="020B0604020202020204" pitchFamily="34" charset="0"/>
+              <a:buChar char="•"/>
+            </a:pPr>
+            <a:r>
+              <a:rPr lang="pt-BR" sz="2400" dirty="0"/>
+              <a:t>Material de apoio para estudar fora aula.</a:t>
+            </a:r>
+          </a:p>
+          <a:p>
+            <a:pPr marL="285750" indent="-285750" algn="l">
+              <a:buFont typeface="Arial" panose="020B0604020202020204" pitchFamily="34" charset="0"/>
+              <a:buChar char="•"/>
+            </a:pPr>
+            <a:r>
+              <a:rPr lang="pt-BR" sz="2400" dirty="0"/>
+              <a:t>Habilidade de aprender com vídeo e documentação. </a:t>
+            </a:r>
+            <a:r>
+              <a:rPr lang="pt-BR" sz="2000" dirty="0"/>
+              <a:t>(modo passivo)</a:t>
+            </a:r>
+            <a:endParaRPr lang="pt-BR" sz="2400" dirty="0"/>
+          </a:p>
+          <a:p>
+            <a:pPr marL="285750" indent="-285750" algn="l">
+              <a:buFont typeface="Arial" panose="020B0604020202020204" pitchFamily="34" charset="0"/>
+              <a:buChar char="•"/>
+            </a:pPr>
+            <a:r>
+              <a:rPr lang="pt-BR" sz="2400" dirty="0"/>
+              <a:t>Forçar os alunos a estudarem além de domingo.</a:t>
+            </a:r>
+          </a:p>
+          <a:p>
+            <a:pPr marL="285750" indent="-285750" algn="l">
+              <a:buFont typeface="Arial" panose="020B0604020202020204" pitchFamily="34" charset="0"/>
+              <a:buChar char="•"/>
+            </a:pPr>
+            <a:r>
+              <a:rPr lang="pt-BR" sz="2400" dirty="0"/>
+              <a:t>Manter ritmo das aulas, para alunos básicos e para os avançados.</a:t>
+            </a:r>
+          </a:p>
+          <a:p>
+            <a:pPr marL="285750" indent="-285750">
+              <a:buFont typeface="Arial" panose="020B0604020202020204" pitchFamily="34" charset="0"/>
+              <a:buChar char="•"/>
+            </a:pPr>
+            <a:endParaRPr lang="pt-BR" dirty="0"/>
+          </a:p>
+        </p:txBody>
+      </p:sp>
+    </p:spTree>
+    <p:extLst>
+      <p:ext uri="{BB962C8B-B14F-4D97-AF65-F5344CB8AC3E}">
+        <p14:creationId xmlns:p14="http://schemas.microsoft.com/office/powerpoint/2010/main" val="2017595546"/>
+      </p:ext>
+    </p:extLst>
+  </p:cSld>
+  <p:clrMapOvr>
+    <a:masterClrMapping/>
+  </p:clrMapOvr>
+</p:sld>
+</file>
+
+<file path=ppt/slides/slide24.xml><?xml version="1.0" encoding="utf-8"?>
+<p:sld xmlns:a="http://schemas.openxmlformats.org/drawingml/2006/main" xmlns:r="http://schemas.openxmlformats.org/officeDocument/2006/relationships" xmlns:p="http://schemas.openxmlformats.org/presentationml/2006/main">
+  <p:cSld>
+    <p:spTree>
+      <p:nvGrpSpPr>
+        <p:cNvPr id="1" name=""/>
+        <p:cNvGrpSpPr/>
+        <p:nvPr/>
+      </p:nvGrpSpPr>
+      <p:grpSpPr>
+        <a:xfrm>
+          <a:off x="0" y="0"/>
+          <a:ext cx="0" cy="0"/>
+          <a:chOff x="0" y="0"/>
+          <a:chExt cx="0" cy="0"/>
+        </a:xfrm>
+      </p:grpSpPr>
+      <p:sp>
+        <p:nvSpPr>
+          <p:cNvPr id="2" name="Título 1">
+            <a:extLst>
+              <a:ext uri="{FF2B5EF4-FFF2-40B4-BE49-F238E27FC236}">
+                <a16:creationId xmlns:a16="http://schemas.microsoft.com/office/drawing/2014/main" id="{C8A5FEEE-4895-1D35-B884-8F413AD1D3FA}"/>
+              </a:ext>
+            </a:extLst>
+          </p:cNvPr>
+          <p:cNvSpPr>
+            <a:spLocks noGrp="1"/>
+          </p:cNvSpPr>
+          <p:nvPr>
+            <p:ph type="title"/>
+          </p:nvPr>
+        </p:nvSpPr>
+        <p:spPr/>
+        <p:txBody>
+          <a:bodyPr/>
+          <a:lstStyle/>
+          <a:p>
+            <a:r>
+              <a:rPr lang="pt-BR" dirty="0"/>
+              <a:t>Material de apoio</a:t>
+            </a:r>
+          </a:p>
+        </p:txBody>
+      </p:sp>
+      <p:sp>
+        <p:nvSpPr>
+          <p:cNvPr id="3" name="CaixaDeTexto 2">
+            <a:extLst>
+              <a:ext uri="{FF2B5EF4-FFF2-40B4-BE49-F238E27FC236}">
+                <a16:creationId xmlns:a16="http://schemas.microsoft.com/office/drawing/2014/main" id="{111FBC14-D925-492F-C979-EAA450384CA3}"/>
+              </a:ext>
+            </a:extLst>
+          </p:cNvPr>
+          <p:cNvSpPr txBox="1"/>
+          <p:nvPr/>
+        </p:nvSpPr>
+        <p:spPr>
+          <a:xfrm>
+            <a:off x="860612" y="1846729"/>
+            <a:ext cx="7503459" cy="3416320"/>
+          </a:xfrm>
+          <a:prstGeom prst="rect">
+            <a:avLst/>
+          </a:prstGeom>
+          <a:noFill/>
+        </p:spPr>
+        <p:txBody>
+          <a:bodyPr wrap="square" rtlCol="0">
+            <a:spAutoFit/>
+          </a:bodyPr>
+          <a:lstStyle/>
+          <a:p>
+            <a:r>
+              <a:rPr lang="pt-BR" dirty="0"/>
+              <a:t>Documentação Microsoft (oficial)</a:t>
+            </a:r>
+          </a:p>
+          <a:p>
+            <a:r>
+              <a:rPr lang="pt-BR" dirty="0">
+                <a:hlinkClick r:id="rId2"/>
+              </a:rPr>
+              <a:t>https://learn.microsoft.com/pt-br/aspnet/core/tutorials/first-mvc-app/start-mvc?view=aspnetcore-7.0&amp;tabs=visual-studio</a:t>
+            </a:r>
+            <a:endParaRPr lang="pt-BR" dirty="0"/>
+          </a:p>
+          <a:p>
+            <a:endParaRPr lang="pt-BR" dirty="0"/>
+          </a:p>
+          <a:p>
+            <a:endParaRPr lang="pt-BR" dirty="0"/>
+          </a:p>
+          <a:p>
+            <a:r>
+              <a:rPr lang="pt-BR" dirty="0"/>
+              <a:t>Vídeo </a:t>
+            </a:r>
+            <a:r>
+              <a:rPr lang="pt-BR" dirty="0" err="1"/>
+              <a:t>Macoratti</a:t>
+            </a:r>
+            <a:endParaRPr lang="pt-BR" dirty="0"/>
+          </a:p>
+          <a:p>
+            <a:r>
+              <a:rPr lang="pt-BR" dirty="0">
+                <a:hlinkClick r:id="rId3"/>
+              </a:rPr>
+              <a:t>https://github.com/dorathoto/Gauss_MVC</a:t>
+            </a:r>
+            <a:endParaRPr lang="pt-BR" dirty="0"/>
+          </a:p>
+          <a:p>
+            <a:endParaRPr lang="pt-BR" dirty="0"/>
+          </a:p>
+          <a:p>
+            <a:endParaRPr lang="pt-BR" dirty="0"/>
+          </a:p>
+          <a:p>
+            <a:r>
+              <a:rPr lang="pt-BR" dirty="0"/>
+              <a:t>Grupo </a:t>
+            </a:r>
+            <a:r>
+              <a:rPr lang="pt-BR" dirty="0" err="1"/>
+              <a:t>Whatsapp</a:t>
+            </a:r>
+            <a:endParaRPr lang="pt-BR" dirty="0"/>
+          </a:p>
+          <a:p>
+            <a:r>
+              <a:rPr lang="pt-BR" dirty="0"/>
+              <a:t>Grupo 2</a:t>
+            </a:r>
+          </a:p>
+          <a:p>
+            <a:endParaRPr lang="pt-BR" dirty="0"/>
+          </a:p>
+        </p:txBody>
+      </p:sp>
+    </p:spTree>
+    <p:extLst>
+      <p:ext uri="{BB962C8B-B14F-4D97-AF65-F5344CB8AC3E}">
+        <p14:creationId xmlns:p14="http://schemas.microsoft.com/office/powerpoint/2010/main" val="2186527004"/>
+      </p:ext>
+    </p:extLst>
+  </p:cSld>
+  <p:clrMapOvr>
+    <a:masterClrMapping/>
+  </p:clrMapOvr>
+</p:sld>
+</file>
+
+<file path=ppt/slides/slide25.xml><?xml version="1.0" encoding="utf-8"?>
+<p:sld xmlns:a="http://schemas.openxmlformats.org/drawingml/2006/main" xmlns:r="http://schemas.openxmlformats.org/officeDocument/2006/relationships" xmlns:p="http://schemas.openxmlformats.org/presentationml/2006/main">
+  <p:cSld>
+    <p:spTree>
+      <p:nvGrpSpPr>
+        <p:cNvPr id="1" name=""/>
+        <p:cNvGrpSpPr/>
+        <p:nvPr/>
+      </p:nvGrpSpPr>
+      <p:grpSpPr>
+        <a:xfrm>
+          <a:off x="0" y="0"/>
+          <a:ext cx="0" cy="0"/>
+          <a:chOff x="0" y="0"/>
+          <a:chExt cx="0" cy="0"/>
+        </a:xfrm>
+      </p:grpSpPr>
+      <p:sp>
+        <p:nvSpPr>
+          <p:cNvPr id="2" name="Título 1">
+            <a:extLst>
+              <a:ext uri="{FF2B5EF4-FFF2-40B4-BE49-F238E27FC236}">
+                <a16:creationId xmlns:a16="http://schemas.microsoft.com/office/drawing/2014/main" id="{E041B035-0B5A-50B7-35E8-6CBFACF61537}"/>
+              </a:ext>
+            </a:extLst>
+          </p:cNvPr>
+          <p:cNvSpPr>
+            <a:spLocks noGrp="1"/>
+          </p:cNvSpPr>
+          <p:nvPr>
+            <p:ph type="title"/>
+          </p:nvPr>
+        </p:nvSpPr>
+        <p:spPr/>
+        <p:txBody>
+          <a:bodyPr/>
+          <a:lstStyle/>
+          <a:p>
+            <a:endParaRPr lang="pt-BR"/>
+          </a:p>
+        </p:txBody>
+      </p:sp>
+      <p:sp>
+        <p:nvSpPr>
+          <p:cNvPr id="3" name="Espaço Reservado para Texto 2">
+            <a:extLst>
+              <a:ext uri="{FF2B5EF4-FFF2-40B4-BE49-F238E27FC236}">
+                <a16:creationId xmlns:a16="http://schemas.microsoft.com/office/drawing/2014/main" id="{C653CC9B-6A1C-53E2-848D-2907147DCF71}"/>
+              </a:ext>
+            </a:extLst>
+          </p:cNvPr>
+          <p:cNvSpPr>
+            <a:spLocks noGrp="1"/>
+          </p:cNvSpPr>
+          <p:nvPr>
+            <p:ph type="body" sz="half" idx="2"/>
+          </p:nvPr>
+        </p:nvSpPr>
+        <p:spPr>
+          <a:xfrm>
+            <a:off x="3792071" y="1676524"/>
+            <a:ext cx="4658597" cy="4652558"/>
+          </a:xfrm>
+        </p:spPr>
+        <p:txBody>
+          <a:bodyPr>
+            <a:noAutofit/>
+          </a:bodyPr>
+          <a:lstStyle/>
+          <a:p>
+            <a:r>
+              <a:rPr lang="pt-BR" sz="2400" dirty="0"/>
+              <a:t>Escolher o .NET </a:t>
+            </a:r>
+            <a:r>
+              <a:rPr lang="pt-BR" sz="2400" dirty="0" err="1"/>
+              <a:t>version</a:t>
+            </a:r>
+            <a:endParaRPr lang="pt-BR" sz="2400" dirty="0"/>
+          </a:p>
+          <a:p>
+            <a:r>
+              <a:rPr lang="pt-BR" sz="2400" dirty="0"/>
+              <a:t>Escolher o tema a estudar</a:t>
+            </a:r>
+          </a:p>
+          <a:p>
+            <a:r>
+              <a:rPr lang="pt-BR" sz="2400" dirty="0"/>
+              <a:t>--------------------</a:t>
+            </a:r>
+          </a:p>
+          <a:p>
+            <a:r>
+              <a:rPr lang="pt-BR" sz="2400" dirty="0"/>
+              <a:t>Learning tem:</a:t>
+            </a:r>
+          </a:p>
+          <a:p>
+            <a:pPr marL="285750" indent="-285750">
+              <a:buFontTx/>
+              <a:buChar char="-"/>
+            </a:pPr>
+            <a:r>
+              <a:rPr lang="pt-BR" sz="2400" dirty="0"/>
+              <a:t>MVC</a:t>
+            </a:r>
+          </a:p>
+          <a:p>
+            <a:pPr marL="285750" indent="-285750">
+              <a:buFontTx/>
+              <a:buChar char="-"/>
+            </a:pPr>
+            <a:r>
+              <a:rPr lang="pt-BR" sz="2400" dirty="0" err="1"/>
+              <a:t>Blazor</a:t>
+            </a:r>
+            <a:endParaRPr lang="pt-BR" sz="2400" dirty="0"/>
+          </a:p>
+          <a:p>
+            <a:pPr marL="285750" indent="-285750">
+              <a:buFontTx/>
+              <a:buChar char="-"/>
+            </a:pPr>
+            <a:r>
+              <a:rPr lang="pt-BR" sz="2400" dirty="0" err="1"/>
+              <a:t>Razor</a:t>
+            </a:r>
+            <a:r>
+              <a:rPr lang="pt-BR" sz="2400" dirty="0"/>
+              <a:t> </a:t>
+            </a:r>
+          </a:p>
+        </p:txBody>
+      </p:sp>
+      <p:pic>
+        <p:nvPicPr>
+          <p:cNvPr id="5" name="Imagem 4">
+            <a:extLst>
+              <a:ext uri="{FF2B5EF4-FFF2-40B4-BE49-F238E27FC236}">
+                <a16:creationId xmlns:a16="http://schemas.microsoft.com/office/drawing/2014/main" id="{AB3B4F00-DC55-56DD-D858-249C67C38638}"/>
+              </a:ext>
+            </a:extLst>
+          </p:cNvPr>
+          <p:cNvPicPr>
+            <a:picLocks noChangeAspect="1"/>
+          </p:cNvPicPr>
+          <p:nvPr/>
+        </p:nvPicPr>
+        <p:blipFill rotWithShape="1">
+          <a:blip r:embed="rId2"/>
+          <a:srcRect r="6956"/>
+          <a:stretch/>
+        </p:blipFill>
+        <p:spPr>
+          <a:xfrm>
+            <a:off x="0" y="0"/>
+            <a:ext cx="3316941" cy="6858000"/>
+          </a:xfrm>
+          <a:prstGeom prst="rect">
+            <a:avLst/>
+          </a:prstGeom>
+        </p:spPr>
+      </p:pic>
+      <p:pic>
+        <p:nvPicPr>
+          <p:cNvPr id="7" name="Gráfico 6" descr="Rosto zangado com preenchimento sólido com preenchimento sólido">
+            <a:extLst>
+              <a:ext uri="{FF2B5EF4-FFF2-40B4-BE49-F238E27FC236}">
+                <a16:creationId xmlns:a16="http://schemas.microsoft.com/office/drawing/2014/main" id="{3B730609-D1D6-08C1-502E-89A9AE84A1D5}"/>
+              </a:ext>
+            </a:extLst>
+          </p:cNvPr>
+          <p:cNvPicPr>
+            <a:picLocks noChangeAspect="1"/>
+          </p:cNvPicPr>
+          <p:nvPr/>
+        </p:nvPicPr>
+        <p:blipFill>
+          <a:blip r:embed="rId3">
+            <a:extLst>
+              <a:ext uri="{96DAC541-7B7A-43D3-8B79-37D633B846F1}">
+                <asvg:svgBlip xmlns:asvg="http://schemas.microsoft.com/office/drawing/2016/SVG/main" r:embed="rId4"/>
+              </a:ext>
+            </a:extLst>
+          </a:blip>
+          <a:stretch>
+            <a:fillRect/>
+          </a:stretch>
+        </p:blipFill>
+        <p:spPr>
+          <a:xfrm>
+            <a:off x="6750423" y="5016290"/>
+            <a:ext cx="457200" cy="457200"/>
+          </a:xfrm>
+          <a:prstGeom prst="rect">
+            <a:avLst/>
+          </a:prstGeom>
+        </p:spPr>
+      </p:pic>
+      <p:pic>
+        <p:nvPicPr>
+          <p:cNvPr id="9" name="Gráfico 8" descr="Rosto apaixonado com preenchimento sólido com preenchimento sólido">
+            <a:extLst>
+              <a:ext uri="{FF2B5EF4-FFF2-40B4-BE49-F238E27FC236}">
+                <a16:creationId xmlns:a16="http://schemas.microsoft.com/office/drawing/2014/main" id="{49B7FE2B-2758-A073-942D-4ABBB829E6F6}"/>
+              </a:ext>
+            </a:extLst>
+          </p:cNvPr>
+          <p:cNvPicPr>
+            <a:picLocks noChangeAspect="1"/>
+          </p:cNvPicPr>
+          <p:nvPr/>
+        </p:nvPicPr>
+        <p:blipFill>
+          <a:blip r:embed="rId5">
+            <a:extLst>
+              <a:ext uri="{96DAC541-7B7A-43D3-8B79-37D633B846F1}">
+                <asvg:svgBlip xmlns:asvg="http://schemas.microsoft.com/office/drawing/2016/SVG/main" r:embed="rId6"/>
+              </a:ext>
+            </a:extLst>
+          </a:blip>
+          <a:stretch>
+            <a:fillRect/>
+          </a:stretch>
+        </p:blipFill>
+        <p:spPr>
+          <a:xfrm>
+            <a:off x="6730898" y="3881719"/>
+            <a:ext cx="547492" cy="547492"/>
+          </a:xfrm>
+          <a:prstGeom prst="rect">
+            <a:avLst/>
+          </a:prstGeom>
+        </p:spPr>
+      </p:pic>
+      <p:pic>
+        <p:nvPicPr>
+          <p:cNvPr id="11" name="Gráfico 10" descr="Rosto preocupado com preenchimento sólido com preenchimento sólido">
+            <a:extLst>
+              <a:ext uri="{FF2B5EF4-FFF2-40B4-BE49-F238E27FC236}">
+                <a16:creationId xmlns:a16="http://schemas.microsoft.com/office/drawing/2014/main" id="{C3B13611-9548-9578-B65D-C32D997974E0}"/>
+              </a:ext>
+            </a:extLst>
+          </p:cNvPr>
+          <p:cNvPicPr>
+            <a:picLocks noChangeAspect="1"/>
+          </p:cNvPicPr>
+          <p:nvPr/>
+        </p:nvPicPr>
+        <p:blipFill>
+          <a:blip r:embed="rId7">
+            <a:extLst>
+              <a:ext uri="{96DAC541-7B7A-43D3-8B79-37D633B846F1}">
+                <asvg:svgBlip xmlns:asvg="http://schemas.microsoft.com/office/drawing/2016/SVG/main" r:embed="rId8"/>
+              </a:ext>
+            </a:extLst>
+          </a:blip>
+          <a:stretch>
+            <a:fillRect/>
+          </a:stretch>
+        </p:blipFill>
+        <p:spPr>
+          <a:xfrm>
+            <a:off x="6707840" y="4451568"/>
+            <a:ext cx="542365" cy="542365"/>
+          </a:xfrm>
+          <a:prstGeom prst="rect">
+            <a:avLst/>
+          </a:prstGeom>
+        </p:spPr>
+      </p:pic>
+    </p:spTree>
+    <p:extLst>
+      <p:ext uri="{BB962C8B-B14F-4D97-AF65-F5344CB8AC3E}">
+        <p14:creationId xmlns:p14="http://schemas.microsoft.com/office/powerpoint/2010/main" val="952377701"/>
+      </p:ext>
+    </p:extLst>
+  </p:cSld>
+  <p:clrMapOvr>
+    <a:masterClrMapping/>
+  </p:clrMapOvr>
+</p:sld>
+</file>
+
+<file path=ppt/slides/slide26.xml><?xml version="1.0" encoding="utf-8"?>
+<p:sld xmlns:a="http://schemas.openxmlformats.org/drawingml/2006/main" xmlns:r="http://schemas.openxmlformats.org/officeDocument/2006/relationships" xmlns:p="http://schemas.openxmlformats.org/presentationml/2006/main">
+  <p:cSld>
+    <p:spTree>
+      <p:nvGrpSpPr>
+        <p:cNvPr id="1" name=""/>
+        <p:cNvGrpSpPr/>
+        <p:nvPr/>
+      </p:nvGrpSpPr>
+      <p:grpSpPr>
+        <a:xfrm>
+          <a:off x="0" y="0"/>
+          <a:ext cx="0" cy="0"/>
+          <a:chOff x="0" y="0"/>
+          <a:chExt cx="0" cy="0"/>
+        </a:xfrm>
+      </p:grpSpPr>
+      <p:sp>
+        <p:nvSpPr>
+          <p:cNvPr id="10" name="Retângulo 9">
+            <a:extLst>
+              <a:ext uri="{FF2B5EF4-FFF2-40B4-BE49-F238E27FC236}">
+                <a16:creationId xmlns:a16="http://schemas.microsoft.com/office/drawing/2014/main" id="{30CAD13A-A8F8-DA2E-A70A-DBAF75C15912}"/>
+              </a:ext>
+            </a:extLst>
+          </p:cNvPr>
+          <p:cNvSpPr/>
+          <p:nvPr/>
+        </p:nvSpPr>
+        <p:spPr>
+          <a:xfrm>
+            <a:off x="-7985" y="0"/>
+            <a:ext cx="9151985" cy="6858000"/>
+          </a:xfrm>
+          <a:prstGeom prst="rect">
+            <a:avLst/>
+          </a:prstGeom>
+        </p:spPr>
+        <p:style>
+          <a:lnRef idx="2">
+            <a:schemeClr val="accent1">
+              <a:shade val="15000"/>
+            </a:schemeClr>
+          </a:lnRef>
+          <a:fillRef idx="1">
+            <a:schemeClr val="accent1"/>
+          </a:fillRef>
+          <a:effectRef idx="0">
+            <a:schemeClr val="accent1"/>
+          </a:effectRef>
+          <a:fontRef idx="minor">
+            <a:schemeClr val="lt1"/>
+          </a:fontRef>
+        </p:style>
+        <p:txBody>
+          <a:bodyPr rtlCol="0" anchor="ctr"/>
+          <a:lstStyle/>
+          <a:p>
+            <a:pPr algn="ctr"/>
+            <a:endParaRPr lang="pt-BR"/>
+          </a:p>
+        </p:txBody>
+      </p:sp>
+      <p:sp>
+        <p:nvSpPr>
+          <p:cNvPr id="3" name="Espaço Reservado para Texto 2">
+            <a:extLst>
+              <a:ext uri="{FF2B5EF4-FFF2-40B4-BE49-F238E27FC236}">
+                <a16:creationId xmlns:a16="http://schemas.microsoft.com/office/drawing/2014/main" id="{32E82C1C-FCF5-562C-4E57-D22B48902003}"/>
+              </a:ext>
+            </a:extLst>
+          </p:cNvPr>
+          <p:cNvSpPr>
+            <a:spLocks noGrp="1"/>
+          </p:cNvSpPr>
+          <p:nvPr>
+            <p:ph type="body" sz="half" idx="2"/>
+          </p:nvPr>
+        </p:nvSpPr>
+        <p:spPr/>
+        <p:txBody>
+          <a:bodyPr/>
+          <a:lstStyle/>
+          <a:p>
+            <a:endParaRPr lang="pt-BR" dirty="0"/>
+          </a:p>
+        </p:txBody>
+      </p:sp>
+      <p:pic>
+        <p:nvPicPr>
+          <p:cNvPr id="5" name="Imagem 4">
+            <a:extLst>
+              <a:ext uri="{FF2B5EF4-FFF2-40B4-BE49-F238E27FC236}">
+                <a16:creationId xmlns:a16="http://schemas.microsoft.com/office/drawing/2014/main" id="{7BBECA06-8C1F-ADE6-E93F-78E30E953EDD}"/>
+              </a:ext>
+            </a:extLst>
+          </p:cNvPr>
+          <p:cNvPicPr>
+            <a:picLocks noChangeAspect="1"/>
+          </p:cNvPicPr>
+          <p:nvPr/>
+        </p:nvPicPr>
+        <p:blipFill>
+          <a:blip r:embed="rId2"/>
+          <a:stretch>
+            <a:fillRect/>
+          </a:stretch>
+        </p:blipFill>
+        <p:spPr>
+          <a:xfrm>
+            <a:off x="3030175" y="2465223"/>
+            <a:ext cx="3219899" cy="3467584"/>
+          </a:xfrm>
+          <a:prstGeom prst="rect">
+            <a:avLst/>
+          </a:prstGeom>
+        </p:spPr>
+      </p:pic>
+      <p:pic>
+        <p:nvPicPr>
+          <p:cNvPr id="7" name="Imagem 6">
+            <a:extLst>
+              <a:ext uri="{FF2B5EF4-FFF2-40B4-BE49-F238E27FC236}">
+                <a16:creationId xmlns:a16="http://schemas.microsoft.com/office/drawing/2014/main" id="{05725709-BB46-D654-7506-15578C844D9E}"/>
+              </a:ext>
+            </a:extLst>
+          </p:cNvPr>
+          <p:cNvPicPr>
+            <a:picLocks noChangeAspect="1"/>
+          </p:cNvPicPr>
+          <p:nvPr/>
+        </p:nvPicPr>
+        <p:blipFill rotWithShape="1">
+          <a:blip r:embed="rId3"/>
+          <a:srcRect l="5046" r="15871"/>
+          <a:stretch/>
+        </p:blipFill>
+        <p:spPr>
+          <a:xfrm>
+            <a:off x="6601073" y="0"/>
+            <a:ext cx="2542927" cy="6858000"/>
+          </a:xfrm>
+          <a:prstGeom prst="rect">
+            <a:avLst/>
+          </a:prstGeom>
+        </p:spPr>
+      </p:pic>
+      <p:pic>
+        <p:nvPicPr>
+          <p:cNvPr id="9" name="Imagem 8">
+            <a:extLst>
+              <a:ext uri="{FF2B5EF4-FFF2-40B4-BE49-F238E27FC236}">
+                <a16:creationId xmlns:a16="http://schemas.microsoft.com/office/drawing/2014/main" id="{373012E0-3166-494A-0760-CA3EF6A1377D}"/>
+              </a:ext>
+            </a:extLst>
+          </p:cNvPr>
+          <p:cNvPicPr>
+            <a:picLocks noChangeAspect="1"/>
+          </p:cNvPicPr>
+          <p:nvPr/>
+        </p:nvPicPr>
+        <p:blipFill rotWithShape="1">
+          <a:blip r:embed="rId4"/>
+          <a:srcRect r="12465"/>
+          <a:stretch/>
+        </p:blipFill>
+        <p:spPr>
+          <a:xfrm>
+            <a:off x="-7985" y="261495"/>
+            <a:ext cx="2901913" cy="6335009"/>
+          </a:xfrm>
+          <a:prstGeom prst="rect">
+            <a:avLst/>
+          </a:prstGeom>
+        </p:spPr>
+      </p:pic>
+    </p:spTree>
+    <p:extLst>
+      <p:ext uri="{BB962C8B-B14F-4D97-AF65-F5344CB8AC3E}">
+        <p14:creationId xmlns:p14="http://schemas.microsoft.com/office/powerpoint/2010/main" val="2972621542"/>
+      </p:ext>
+    </p:extLst>
+  </p:cSld>
+  <p:clrMapOvr>
+    <a:masterClrMapping/>
+  </p:clrMapOvr>
+</p:sld>
+</file>
+
+<file path=ppt/slides/slide27.xml><?xml version="1.0" encoding="utf-8"?>
+<p:sld xmlns:a="http://schemas.openxmlformats.org/drawingml/2006/main" xmlns:r="http://schemas.openxmlformats.org/officeDocument/2006/relationships" xmlns:p="http://schemas.openxmlformats.org/presentationml/2006/main">
+  <p:cSld>
+    <p:spTree>
+      <p:nvGrpSpPr>
+        <p:cNvPr id="1" name=""/>
+        <p:cNvGrpSpPr/>
+        <p:nvPr/>
+      </p:nvGrpSpPr>
+      <p:grpSpPr>
+        <a:xfrm>
+          <a:off x="0" y="0"/>
+          <a:ext cx="0" cy="0"/>
+          <a:chOff x="0" y="0"/>
+          <a:chExt cx="0" cy="0"/>
+        </a:xfrm>
+      </p:grpSpPr>
+      <p:sp>
+        <p:nvSpPr>
+          <p:cNvPr id="2" name="Título 1">
+            <a:extLst>
+              <a:ext uri="{FF2B5EF4-FFF2-40B4-BE49-F238E27FC236}">
+                <a16:creationId xmlns:a16="http://schemas.microsoft.com/office/drawing/2014/main" id="{DF8A27D8-6660-596A-FAB1-91D456F9F1C5}"/>
+              </a:ext>
+            </a:extLst>
+          </p:cNvPr>
+          <p:cNvSpPr>
+            <a:spLocks noGrp="1"/>
+          </p:cNvSpPr>
+          <p:nvPr>
+            <p:ph type="title"/>
+          </p:nvPr>
+        </p:nvSpPr>
+        <p:spPr>
+          <a:xfrm>
+            <a:off x="689339" y="0"/>
+            <a:ext cx="7765322" cy="1046602"/>
+          </a:xfrm>
+        </p:spPr>
+        <p:txBody>
+          <a:bodyPr/>
+          <a:lstStyle/>
+          <a:p>
+            <a:r>
+              <a:rPr lang="pt-BR" dirty="0"/>
+              <a:t>O Curso </a:t>
+            </a:r>
+            <a:r>
+              <a:rPr lang="pt-BR" dirty="0" err="1"/>
+              <a:t>Macoratti</a:t>
+            </a:r>
+            <a:endParaRPr lang="pt-BR" dirty="0"/>
+          </a:p>
+        </p:txBody>
+      </p:sp>
+      <p:sp>
+        <p:nvSpPr>
+          <p:cNvPr id="3" name="Espaço Reservado para Texto 2">
+            <a:extLst>
+              <a:ext uri="{FF2B5EF4-FFF2-40B4-BE49-F238E27FC236}">
+                <a16:creationId xmlns:a16="http://schemas.microsoft.com/office/drawing/2014/main" id="{37830004-57D0-4BB7-D722-7FFFB38006B9}"/>
+              </a:ext>
+            </a:extLst>
+          </p:cNvPr>
+          <p:cNvSpPr>
+            <a:spLocks noGrp="1"/>
+          </p:cNvSpPr>
+          <p:nvPr>
+            <p:ph type="body" sz="half" idx="2"/>
+          </p:nvPr>
+        </p:nvSpPr>
+        <p:spPr/>
+        <p:txBody>
+          <a:bodyPr/>
+          <a:lstStyle/>
+          <a:p>
+            <a:endParaRPr lang="pt-BR"/>
+          </a:p>
+        </p:txBody>
+      </p:sp>
+      <p:pic>
+        <p:nvPicPr>
+          <p:cNvPr id="5" name="Imagem 4">
+            <a:extLst>
+              <a:ext uri="{FF2B5EF4-FFF2-40B4-BE49-F238E27FC236}">
+                <a16:creationId xmlns:a16="http://schemas.microsoft.com/office/drawing/2014/main" id="{34E4A004-090B-1EE6-14AC-4259B485874F}"/>
+              </a:ext>
+            </a:extLst>
+          </p:cNvPr>
+          <p:cNvPicPr>
+            <a:picLocks noChangeAspect="1"/>
+          </p:cNvPicPr>
+          <p:nvPr/>
+        </p:nvPicPr>
+        <p:blipFill>
+          <a:blip r:embed="rId2"/>
+          <a:stretch>
+            <a:fillRect/>
+          </a:stretch>
+        </p:blipFill>
+        <p:spPr>
+          <a:xfrm>
+            <a:off x="-3993" y="1046602"/>
+            <a:ext cx="9144000" cy="5811398"/>
+          </a:xfrm>
+          <a:prstGeom prst="rect">
+            <a:avLst/>
+          </a:prstGeom>
+        </p:spPr>
+      </p:pic>
+    </p:spTree>
+    <p:extLst>
+      <p:ext uri="{BB962C8B-B14F-4D97-AF65-F5344CB8AC3E}">
+        <p14:creationId xmlns:p14="http://schemas.microsoft.com/office/powerpoint/2010/main" val="2118378666"/>
+      </p:ext>
+    </p:extLst>
+  </p:cSld>
+  <p:clrMapOvr>
+    <a:masterClrMapping/>
+  </p:clrMapOvr>
+</p:sld>
+</file>
+
+<file path=ppt/slides/slide28.xml><?xml version="1.0" encoding="utf-8"?>
+<p:sld xmlns:a="http://schemas.openxmlformats.org/drawingml/2006/main" xmlns:r="http://schemas.openxmlformats.org/officeDocument/2006/relationships" xmlns:p="http://schemas.openxmlformats.org/presentationml/2006/main">
+  <p:cSld>
+    <p:spTree>
+      <p:nvGrpSpPr>
+        <p:cNvPr id="1" name=""/>
+        <p:cNvGrpSpPr/>
+        <p:nvPr/>
+      </p:nvGrpSpPr>
+      <p:grpSpPr>
+        <a:xfrm>
+          <a:off x="0" y="0"/>
+          <a:ext cx="0" cy="0"/>
+          <a:chOff x="0" y="0"/>
+          <a:chExt cx="0" cy="0"/>
+        </a:xfrm>
+      </p:grpSpPr>
+      <p:sp>
+        <p:nvSpPr>
+          <p:cNvPr id="2" name="Título 1">
+            <a:extLst>
+              <a:ext uri="{FF2B5EF4-FFF2-40B4-BE49-F238E27FC236}">
+                <a16:creationId xmlns:a16="http://schemas.microsoft.com/office/drawing/2014/main" id="{DD0F96E4-0F04-3D80-39F1-5D1B3597AC32}"/>
+              </a:ext>
+            </a:extLst>
+          </p:cNvPr>
+          <p:cNvSpPr>
+            <a:spLocks noGrp="1"/>
+          </p:cNvSpPr>
+          <p:nvPr>
+            <p:ph type="title"/>
+          </p:nvPr>
+        </p:nvSpPr>
+        <p:spPr/>
+        <p:txBody>
+          <a:bodyPr/>
+          <a:lstStyle/>
+          <a:p>
+            <a:endParaRPr lang="pt-BR"/>
+          </a:p>
+        </p:txBody>
+      </p:sp>
+      <p:sp>
+        <p:nvSpPr>
+          <p:cNvPr id="3" name="Espaço Reservado para Texto 2">
+            <a:extLst>
+              <a:ext uri="{FF2B5EF4-FFF2-40B4-BE49-F238E27FC236}">
+                <a16:creationId xmlns:a16="http://schemas.microsoft.com/office/drawing/2014/main" id="{34E5B21C-322E-7E2E-0E70-4557622E349E}"/>
+              </a:ext>
+            </a:extLst>
+          </p:cNvPr>
+          <p:cNvSpPr>
+            <a:spLocks noGrp="1"/>
+          </p:cNvSpPr>
+          <p:nvPr>
+            <p:ph type="body" sz="half" idx="2"/>
+          </p:nvPr>
+        </p:nvSpPr>
+        <p:spPr>
+          <a:xfrm>
+            <a:off x="6589059" y="1676524"/>
+            <a:ext cx="1861609" cy="4383617"/>
+          </a:xfrm>
+        </p:spPr>
+        <p:txBody>
+          <a:bodyPr>
+            <a:normAutofit fontScale="92500" lnSpcReduction="10000"/>
+          </a:bodyPr>
+          <a:lstStyle/>
+          <a:p>
+            <a:r>
+              <a:rPr lang="pt-BR" sz="2400" dirty="0"/>
+              <a:t>Assistir</a:t>
+            </a:r>
+          </a:p>
+          <a:p>
+            <a:r>
+              <a:rPr lang="pt-BR" sz="2400" dirty="0"/>
+              <a:t>Codificar</a:t>
+            </a:r>
+          </a:p>
+          <a:p>
+            <a:endParaRPr lang="pt-BR" sz="2400" dirty="0"/>
+          </a:p>
+          <a:p>
+            <a:r>
+              <a:rPr lang="pt-BR" sz="2400" dirty="0"/>
+              <a:t>-------------------</a:t>
+            </a:r>
+          </a:p>
+          <a:p>
+            <a:r>
+              <a:rPr lang="pt-BR" sz="2400" b="1" dirty="0"/>
+              <a:t>Sugestão</a:t>
+            </a:r>
+            <a:r>
+              <a:rPr lang="pt-BR" sz="2400" dirty="0"/>
+              <a:t>:</a:t>
+            </a:r>
+          </a:p>
+          <a:p>
+            <a:r>
+              <a:rPr lang="pt-BR" sz="2400" dirty="0"/>
+              <a:t>Assistir o vídeo um bloco de conteúdo.</a:t>
+            </a:r>
+          </a:p>
+          <a:p>
+            <a:r>
+              <a:rPr lang="pt-BR" sz="2400" dirty="0"/>
+              <a:t>Voltar e codificar junto</a:t>
+            </a:r>
+          </a:p>
+        </p:txBody>
+      </p:sp>
+      <p:pic>
+        <p:nvPicPr>
+          <p:cNvPr id="5" name="Imagem 4">
+            <a:extLst>
+              <a:ext uri="{FF2B5EF4-FFF2-40B4-BE49-F238E27FC236}">
+                <a16:creationId xmlns:a16="http://schemas.microsoft.com/office/drawing/2014/main" id="{C42E3346-BF09-D772-0C2E-AD00FF26D862}"/>
+              </a:ext>
+            </a:extLst>
+          </p:cNvPr>
+          <p:cNvPicPr>
+            <a:picLocks noChangeAspect="1"/>
+          </p:cNvPicPr>
+          <p:nvPr/>
+        </p:nvPicPr>
+        <p:blipFill>
+          <a:blip r:embed="rId2"/>
+          <a:stretch>
+            <a:fillRect/>
+          </a:stretch>
+        </p:blipFill>
+        <p:spPr>
+          <a:xfrm>
+            <a:off x="0" y="0"/>
+            <a:ext cx="6419673" cy="6858000"/>
+          </a:xfrm>
+          <a:prstGeom prst="rect">
+            <a:avLst/>
+          </a:prstGeom>
+        </p:spPr>
+      </p:pic>
+    </p:spTree>
+    <p:extLst>
+      <p:ext uri="{BB962C8B-B14F-4D97-AF65-F5344CB8AC3E}">
+        <p14:creationId xmlns:p14="http://schemas.microsoft.com/office/powerpoint/2010/main" val="35593254"/>
+      </p:ext>
+    </p:extLst>
+  </p:cSld>
+  <p:clrMapOvr>
+    <a:masterClrMapping/>
+  </p:clrMapOvr>
+</p:sld>
+</file>
+
+<file path=ppt/slides/slide29.xml><?xml version="1.0" encoding="utf-8"?>
+<p:sld xmlns:a="http://schemas.openxmlformats.org/drawingml/2006/main" xmlns:r="http://schemas.openxmlformats.org/officeDocument/2006/relationships" xmlns:p="http://schemas.openxmlformats.org/presentationml/2006/main">
+  <p:cSld>
+    <p:spTree>
+      <p:nvGrpSpPr>
+        <p:cNvPr id="1" name=""/>
+        <p:cNvGrpSpPr/>
+        <p:nvPr/>
+      </p:nvGrpSpPr>
+      <p:grpSpPr>
+        <a:xfrm>
+          <a:off x="0" y="0"/>
+          <a:ext cx="0" cy="0"/>
+          <a:chOff x="0" y="0"/>
+          <a:chExt cx="0" cy="0"/>
+        </a:xfrm>
+      </p:grpSpPr>
+      <p:sp>
+        <p:nvSpPr>
+          <p:cNvPr id="2" name="Título 1">
+            <a:extLst>
+              <a:ext uri="{FF2B5EF4-FFF2-40B4-BE49-F238E27FC236}">
+                <a16:creationId xmlns:a16="http://schemas.microsoft.com/office/drawing/2014/main" id="{62136DFA-65A2-701D-AD1C-14E90BDBE2CF}"/>
+              </a:ext>
+            </a:extLst>
+          </p:cNvPr>
+          <p:cNvSpPr>
+            <a:spLocks noGrp="1"/>
+          </p:cNvSpPr>
+          <p:nvPr>
+            <p:ph type="title"/>
+          </p:nvPr>
+        </p:nvSpPr>
+        <p:spPr/>
+        <p:txBody>
+          <a:bodyPr/>
+          <a:lstStyle/>
+          <a:p>
+            <a:r>
+              <a:rPr lang="pt-BR" dirty="0"/>
+              <a:t>Resumo de uma </a:t>
+            </a:r>
+            <a:r>
+              <a:rPr lang="pt-BR" dirty="0" err="1"/>
+              <a:t>page</a:t>
+            </a:r>
+            <a:r>
+              <a:rPr lang="pt-BR" dirty="0"/>
+              <a:t> MVC</a:t>
+            </a:r>
+          </a:p>
+        </p:txBody>
+      </p:sp>
+      <p:sp>
+        <p:nvSpPr>
+          <p:cNvPr id="3" name="Espaço Reservado para Texto 2">
+            <a:extLst>
+              <a:ext uri="{FF2B5EF4-FFF2-40B4-BE49-F238E27FC236}">
+                <a16:creationId xmlns:a16="http://schemas.microsoft.com/office/drawing/2014/main" id="{5D216CE6-8243-A9EC-EF05-45E7757302BE}"/>
+              </a:ext>
+            </a:extLst>
+          </p:cNvPr>
+          <p:cNvSpPr>
+            <a:spLocks noGrp="1"/>
+          </p:cNvSpPr>
+          <p:nvPr>
+            <p:ph type="body" sz="half" idx="2"/>
+          </p:nvPr>
+        </p:nvSpPr>
+        <p:spPr>
+          <a:xfrm>
+            <a:off x="685347" y="1676524"/>
+            <a:ext cx="7765321" cy="4383617"/>
+          </a:xfrm>
+        </p:spPr>
+        <p:txBody>
+          <a:bodyPr>
+            <a:normAutofit/>
+          </a:bodyPr>
+          <a:lstStyle/>
+          <a:p>
+            <a:pPr marL="285750" indent="-285750">
+              <a:buFontTx/>
+              <a:buChar char="-"/>
+            </a:pPr>
+            <a:r>
+              <a:rPr lang="pt-BR" sz="2400" dirty="0"/>
+              <a:t>Criar o projeto</a:t>
+            </a:r>
+          </a:p>
+          <a:p>
+            <a:pPr marL="285750" indent="-285750">
+              <a:buFontTx/>
+              <a:buChar char="-"/>
+            </a:pPr>
+            <a:r>
+              <a:rPr lang="pt-BR" sz="2400" dirty="0"/>
+              <a:t>Adicionar as models</a:t>
+            </a:r>
+          </a:p>
+          <a:p>
+            <a:pPr marL="285750" indent="-285750">
+              <a:buFontTx/>
+              <a:buChar char="-"/>
+            </a:pPr>
+            <a:r>
+              <a:rPr lang="pt-BR" sz="2400" dirty="0"/>
+              <a:t>Criar o migration</a:t>
+            </a:r>
+          </a:p>
+          <a:p>
+            <a:pPr marL="285750" indent="-285750">
+              <a:buFontTx/>
+              <a:buChar char="-"/>
+            </a:pPr>
+            <a:r>
+              <a:rPr lang="pt-BR" sz="2400" dirty="0">
+                <a:solidFill>
+                  <a:schemeClr val="bg1"/>
+                </a:solidFill>
+                <a:highlight>
+                  <a:srgbClr val="FFFF00"/>
+                </a:highlight>
+              </a:rPr>
+              <a:t>Atualizar as models (se necessário)</a:t>
+            </a:r>
+          </a:p>
+          <a:p>
+            <a:pPr marL="285750" indent="-285750">
+              <a:buFontTx/>
+              <a:buChar char="-"/>
+            </a:pPr>
+            <a:r>
+              <a:rPr lang="pt-BR" sz="2400" dirty="0">
+                <a:solidFill>
+                  <a:schemeClr val="bg1"/>
+                </a:solidFill>
+                <a:highlight>
+                  <a:srgbClr val="FFFF00"/>
+                </a:highlight>
+              </a:rPr>
+              <a:t>Criar novo migration (se necessário)</a:t>
+            </a:r>
+          </a:p>
+          <a:p>
+            <a:pPr marL="285750" indent="-285750">
+              <a:buFontTx/>
+              <a:buChar char="-"/>
+            </a:pPr>
+            <a:r>
+              <a:rPr lang="pt-BR" sz="2400" dirty="0"/>
+              <a:t>Fazer CRUD</a:t>
+            </a:r>
+          </a:p>
+          <a:p>
+            <a:pPr marL="285750" indent="-285750">
+              <a:buFontTx/>
+              <a:buChar char="-"/>
+            </a:pPr>
+            <a:r>
+              <a:rPr lang="pt-BR" sz="2400" dirty="0"/>
+              <a:t>Fazer ajustes no CRUD (</a:t>
+            </a:r>
+            <a:r>
+              <a:rPr lang="pt-BR" sz="2400" dirty="0" err="1"/>
+              <a:t>backend</a:t>
+            </a:r>
+            <a:r>
+              <a:rPr lang="pt-BR" sz="2400" dirty="0"/>
+              <a:t> e </a:t>
+            </a:r>
+            <a:r>
+              <a:rPr lang="pt-BR" sz="2400" dirty="0" err="1"/>
+              <a:t>frontend</a:t>
+            </a:r>
+            <a:r>
+              <a:rPr lang="pt-BR" sz="2400" dirty="0"/>
+              <a:t>)</a:t>
+            </a:r>
+          </a:p>
+        </p:txBody>
+      </p:sp>
+      <p:sp>
+        <p:nvSpPr>
+          <p:cNvPr id="4" name="CaixaDeTexto 3">
+            <a:extLst>
+              <a:ext uri="{FF2B5EF4-FFF2-40B4-BE49-F238E27FC236}">
+                <a16:creationId xmlns:a16="http://schemas.microsoft.com/office/drawing/2014/main" id="{73DD817F-57A0-2071-F922-D094AF00235E}"/>
+              </a:ext>
+            </a:extLst>
+          </p:cNvPr>
+          <p:cNvSpPr txBox="1"/>
+          <p:nvPr/>
+        </p:nvSpPr>
+        <p:spPr>
+          <a:xfrm rot="19664354">
+            <a:off x="143434" y="3015858"/>
+            <a:ext cx="1552028" cy="369332"/>
+          </a:xfrm>
+          <a:prstGeom prst="rect">
+            <a:avLst/>
+          </a:prstGeom>
+          <a:noFill/>
+        </p:spPr>
+        <p:txBody>
+          <a:bodyPr wrap="none" rtlCol="0">
+            <a:spAutoFit/>
+          </a:bodyPr>
+          <a:lstStyle/>
+          <a:p>
+            <a:r>
+              <a:rPr lang="pt-BR" dirty="0" err="1">
+                <a:solidFill>
+                  <a:schemeClr val="bg1"/>
+                </a:solidFill>
+                <a:highlight>
+                  <a:srgbClr val="FFFF00"/>
+                </a:highlight>
+              </a:rPr>
+              <a:t>Commit</a:t>
+            </a:r>
+            <a:r>
+              <a:rPr lang="pt-BR" dirty="0">
+                <a:solidFill>
+                  <a:schemeClr val="bg1"/>
+                </a:solidFill>
+                <a:highlight>
+                  <a:srgbClr val="FFFF00"/>
+                </a:highlight>
+              </a:rPr>
+              <a:t> diário</a:t>
+            </a:r>
+          </a:p>
+        </p:txBody>
+      </p:sp>
+    </p:spTree>
+    <p:extLst>
+      <p:ext uri="{BB962C8B-B14F-4D97-AF65-F5344CB8AC3E}">
+        <p14:creationId xmlns:p14="http://schemas.microsoft.com/office/powerpoint/2010/main" val="1143284115"/>
       </p:ext>
     </p:extLst>
   </p:cSld>
@@ -11083,21 +12827,21 @@
 </file>
 
 <file path=customXml/item2.xml><?xml version="1.0" encoding="utf-8"?>
+<?mso-contentType ?>
+<FormTemplates xmlns="http://schemas.microsoft.com/sharepoint/v3/contenttype/forms">
+  <Display>DocumentLibraryForm</Display>
+  <Edit>DocumentLibraryForm</Edit>
+  <New>DocumentLibraryForm</New>
+</FormTemplates>
+</file>
+
+<file path=customXml/item3.xml><?xml version="1.0" encoding="utf-8"?>
 <p:properties xmlns:p="http://schemas.microsoft.com/office/2006/metadata/properties" xmlns:xsi="http://www.w3.org/2001/XMLSchema-instance" xmlns:pc="http://schemas.microsoft.com/office/infopath/2007/PartnerControls">
   <documentManagement>
     <Status xmlns="71af3243-3dd4-4a8d-8c0d-dd76da1f02a5">Not started</Status>
     <MediaServiceKeyPoints xmlns="71af3243-3dd4-4a8d-8c0d-dd76da1f02a5" xsi:nil="true"/>
   </documentManagement>
 </p:properties>
-</file>
-
-<file path=customXml/item3.xml><?xml version="1.0" encoding="utf-8"?>
-<?mso-contentType ?>
-<FormTemplates xmlns="http://schemas.microsoft.com/sharepoint/v3/contenttype/forms">
-  <Display>DocumentLibraryForm</Display>
-  <Edit>DocumentLibraryForm</Edit>
-  <New>DocumentLibraryForm</New>
-</FormTemplates>
 </file>
 
 <file path=customXml/itemProps1.xml><?xml version="1.0" encoding="utf-8"?>
@@ -11120,6 +12864,14 @@
 </file>
 
 <file path=customXml/itemProps2.xml><?xml version="1.0" encoding="utf-8"?>
+<ds:datastoreItem xmlns:ds="http://schemas.openxmlformats.org/officeDocument/2006/customXml" ds:itemID="{64B270AB-C138-415C-897E-3C24487DECF1}">
+  <ds:schemaRefs>
+    <ds:schemaRef ds:uri="http://schemas.microsoft.com/sharepoint/v3/contenttype/forms"/>
+  </ds:schemaRefs>
+</ds:datastoreItem>
+</file>
+
+<file path=customXml/itemProps3.xml><?xml version="1.0" encoding="utf-8"?>
 <ds:datastoreItem xmlns:ds="http://schemas.openxmlformats.org/officeDocument/2006/customXml" ds:itemID="{2C4C00F4-06E9-43E3-AD97-88A857CEFA82}">
   <ds:schemaRefs>
     <ds:schemaRef ds:uri="http://schemas.microsoft.com/office/2006/metadata/properties"/>
@@ -11127,12 +12879,4 @@
     <ds:schemaRef ds:uri="71af3243-3dd4-4a8d-8c0d-dd76da1f02a5"/>
   </ds:schemaRefs>
 </ds:datastoreItem>
-</file>
-
-<file path=customXml/itemProps3.xml><?xml version="1.0" encoding="utf-8"?>
-<ds:datastoreItem xmlns:ds="http://schemas.openxmlformats.org/officeDocument/2006/customXml" ds:itemID="{64B270AB-C138-415C-897E-3C24487DECF1}">
-  <ds:schemaRefs>
-    <ds:schemaRef ds:uri="http://schemas.microsoft.com/sharepoint/v3/contenttype/forms"/>
-  </ds:schemaRefs>
-</ds:datastoreItem>
 </file>